--- a/TEData.pptx
+++ b/TEData.pptx
@@ -8,7 +8,10 @@
     <p:sldId id="256" r:id="rId2"/>
     <p:sldId id="257" r:id="rId3"/>
     <p:sldId id="259" r:id="rId4"/>
-    <p:sldId id="258" r:id="rId5"/>
+    <p:sldId id="262" r:id="rId5"/>
+    <p:sldId id="260" r:id="rId6"/>
+    <p:sldId id="258" r:id="rId7"/>
+    <p:sldId id="261" r:id="rId8"/>
   </p:sldIdLst>
   <p:sldSz cx="12192000" cy="6858000"/>
   <p:notesSz cx="6858000" cy="9144000"/>
@@ -107,6 +110,11 @@
       </a:defRPr>
     </a:lvl9pPr>
   </p:defaultTextStyle>
+  <p:extLst>
+    <p:ext uri="{EFAFB233-063F-42B5-8137-9DF3F51BA10A}">
+      <p15:sldGuideLst xmlns:p15="http://schemas.microsoft.com/office/powerpoint/2012/main"/>
+    </p:ext>
+  </p:extLst>
 </p:presentation>
 </file>
 
@@ -241,7 +249,7 @@
           <a:p>
             <a:fld id="{DAE8F0C7-05F3-4344-8A05-879DB366ACD3}" type="datetimeFigureOut">
               <a:rPr lang="en-US" smtClean="0"/>
-              <a:t>5/11/2015</a:t>
+              <a:t>5/12/2015</a:t>
             </a:fld>
             <a:endParaRPr lang="en-US"/>
           </a:p>
@@ -411,7 +419,7 @@
           <a:p>
             <a:fld id="{DAE8F0C7-05F3-4344-8A05-879DB366ACD3}" type="datetimeFigureOut">
               <a:rPr lang="en-US" smtClean="0"/>
-              <a:t>5/11/2015</a:t>
+              <a:t>5/12/2015</a:t>
             </a:fld>
             <a:endParaRPr lang="en-US"/>
           </a:p>
@@ -591,7 +599,7 @@
           <a:p>
             <a:fld id="{DAE8F0C7-05F3-4344-8A05-879DB366ACD3}" type="datetimeFigureOut">
               <a:rPr lang="en-US" smtClean="0"/>
-              <a:t>5/11/2015</a:t>
+              <a:t>5/12/2015</a:t>
             </a:fld>
             <a:endParaRPr lang="en-US"/>
           </a:p>
@@ -761,7 +769,7 @@
           <a:p>
             <a:fld id="{DAE8F0C7-05F3-4344-8A05-879DB366ACD3}" type="datetimeFigureOut">
               <a:rPr lang="en-US" smtClean="0"/>
-              <a:t>5/11/2015</a:t>
+              <a:t>5/12/2015</a:t>
             </a:fld>
             <a:endParaRPr lang="en-US"/>
           </a:p>
@@ -1007,7 +1015,7 @@
           <a:p>
             <a:fld id="{DAE8F0C7-05F3-4344-8A05-879DB366ACD3}" type="datetimeFigureOut">
               <a:rPr lang="en-US" smtClean="0"/>
-              <a:t>5/11/2015</a:t>
+              <a:t>5/12/2015</a:t>
             </a:fld>
             <a:endParaRPr lang="en-US"/>
           </a:p>
@@ -1239,7 +1247,7 @@
           <a:p>
             <a:fld id="{DAE8F0C7-05F3-4344-8A05-879DB366ACD3}" type="datetimeFigureOut">
               <a:rPr lang="en-US" smtClean="0"/>
-              <a:t>5/11/2015</a:t>
+              <a:t>5/12/2015</a:t>
             </a:fld>
             <a:endParaRPr lang="en-US"/>
           </a:p>
@@ -1606,7 +1614,7 @@
           <a:p>
             <a:fld id="{DAE8F0C7-05F3-4344-8A05-879DB366ACD3}" type="datetimeFigureOut">
               <a:rPr lang="en-US" smtClean="0"/>
-              <a:t>5/11/2015</a:t>
+              <a:t>5/12/2015</a:t>
             </a:fld>
             <a:endParaRPr lang="en-US"/>
           </a:p>
@@ -1724,7 +1732,7 @@
           <a:p>
             <a:fld id="{DAE8F0C7-05F3-4344-8A05-879DB366ACD3}" type="datetimeFigureOut">
               <a:rPr lang="en-US" smtClean="0"/>
-              <a:t>5/11/2015</a:t>
+              <a:t>5/12/2015</a:t>
             </a:fld>
             <a:endParaRPr lang="en-US"/>
           </a:p>
@@ -1819,7 +1827,7 @@
           <a:p>
             <a:fld id="{DAE8F0C7-05F3-4344-8A05-879DB366ACD3}" type="datetimeFigureOut">
               <a:rPr lang="en-US" smtClean="0"/>
-              <a:t>5/11/2015</a:t>
+              <a:t>5/12/2015</a:t>
             </a:fld>
             <a:endParaRPr lang="en-US"/>
           </a:p>
@@ -2096,7 +2104,7 @@
           <a:p>
             <a:fld id="{DAE8F0C7-05F3-4344-8A05-879DB366ACD3}" type="datetimeFigureOut">
               <a:rPr lang="en-US" smtClean="0"/>
-              <a:t>5/11/2015</a:t>
+              <a:t>5/12/2015</a:t>
             </a:fld>
             <a:endParaRPr lang="en-US"/>
           </a:p>
@@ -2349,7 +2357,7 @@
           <a:p>
             <a:fld id="{DAE8F0C7-05F3-4344-8A05-879DB366ACD3}" type="datetimeFigureOut">
               <a:rPr lang="en-US" smtClean="0"/>
-              <a:t>5/11/2015</a:t>
+              <a:t>5/12/2015</a:t>
             </a:fld>
             <a:endParaRPr lang="en-US"/>
           </a:p>
@@ -2562,7 +2570,7 @@
           <a:p>
             <a:fld id="{DAE8F0C7-05F3-4344-8A05-879DB366ACD3}" type="datetimeFigureOut">
               <a:rPr lang="en-US" smtClean="0"/>
-              <a:t>5/11/2015</a:t>
+              <a:t>5/12/2015</a:t>
             </a:fld>
             <a:endParaRPr lang="en-US"/>
           </a:p>
@@ -3083,7 +3091,11 @@
           <a:p>
             <a:r>
               <a:rPr lang="en-US" dirty="0" smtClean="0"/>
-              <a:t>The Data</a:t>
+              <a:t>The </a:t>
+            </a:r>
+            <a:r>
+              <a:rPr lang="en-US" dirty="0" smtClean="0"/>
+              <a:t>Data - Description</a:t>
             </a:r>
             <a:endParaRPr lang="en-US" dirty="0"/>
           </a:p>
@@ -3201,16 +3213,27 @@
             <p:ph type="title"/>
           </p:nvPr>
         </p:nvSpPr>
-        <p:spPr/>
-        <p:txBody>
-          <a:bodyPr/>
-          <a:lstStyle/>
-          <a:p>
-            <a:r>
-              <a:rPr lang="en-US" dirty="0" smtClean="0"/>
-              <a:t>The Data Cont.</a:t>
-            </a:r>
-            <a:endParaRPr lang="en-US" dirty="0"/>
+        <p:spPr>
+          <a:xfrm>
+            <a:off x="839788" y="457200"/>
+            <a:ext cx="5819957" cy="610949"/>
+          </a:xfrm>
+        </p:spPr>
+        <p:txBody>
+          <a:bodyPr>
+            <a:noAutofit/>
+          </a:bodyPr>
+          <a:lstStyle/>
+          <a:p>
+            <a:r>
+              <a:rPr lang="en-US" sz="4400" dirty="0" smtClean="0"/>
+              <a:t>The Data </a:t>
+            </a:r>
+            <a:r>
+              <a:rPr lang="en-US" sz="4400" dirty="0" smtClean="0"/>
+              <a:t>- Processing</a:t>
+            </a:r>
+            <a:endParaRPr lang="en-US" sz="4400" dirty="0"/>
           </a:p>
         </p:txBody>
       </p:sp>
@@ -3221,22 +3244,35 @@
             <a:spLocks noGrp="1"/>
           </p:cNvSpPr>
           <p:nvPr>
-            <p:ph idx="1"/>
-          </p:nvPr>
-        </p:nvSpPr>
-        <p:spPr/>
-        <p:txBody>
-          <a:bodyPr/>
-          <a:lstStyle/>
-          <a:p>
-            <a:r>
-              <a:rPr lang="en-US" dirty="0" smtClean="0"/>
+            <p:ph type="body" sz="half" idx="2"/>
+          </p:nvPr>
+        </p:nvSpPr>
+        <p:spPr>
+          <a:xfrm>
+            <a:off x="839788" y="1383738"/>
+            <a:ext cx="2032885" cy="4485250"/>
+          </a:xfrm>
+        </p:spPr>
+        <p:txBody>
+          <a:bodyPr/>
+          <a:lstStyle/>
+          <a:p>
+            <a:pPr marL="285750" indent="-285750">
+              <a:buFont typeface="Arial" panose="020B0604020202020204" pitchFamily="34" charset="0"/>
+              <a:buChar char="•"/>
+            </a:pPr>
+            <a:r>
+              <a:rPr lang="en-US" sz="2800" dirty="0" smtClean="0"/>
               <a:t>Separate</a:t>
             </a:r>
           </a:p>
           <a:p>
-            <a:r>
-              <a:rPr lang="en-US" dirty="0" smtClean="0"/>
+            <a:pPr marL="285750" indent="-285750">
+              <a:buFont typeface="Arial" panose="020B0604020202020204" pitchFamily="34" charset="0"/>
+              <a:buChar char="•"/>
+            </a:pPr>
+            <a:r>
+              <a:rPr lang="en-US" sz="2800" dirty="0" smtClean="0"/>
               <a:t>Reformat</a:t>
             </a:r>
           </a:p>
@@ -3245,6 +3281,34 @@
           </a:p>
         </p:txBody>
       </p:sp>
+      <p:pic>
+        <p:nvPicPr>
+          <p:cNvPr id="8" name="Picture Placeholder 7"/>
+          <p:cNvPicPr>
+            <a:picLocks noGrp="1" noChangeAspect="1"/>
+          </p:cNvPicPr>
+          <p:nvPr>
+            <p:ph type="pic" idx="1"/>
+          </p:nvPr>
+        </p:nvPicPr>
+        <p:blipFill rotWithShape="1">
+          <a:blip r:embed="rId2">
+            <a:extLst>
+              <a:ext uri="{28A0092B-C50C-407E-A947-70E740481C1C}">
+                <a14:useLocalDpi xmlns:a14="http://schemas.microsoft.com/office/drawing/2010/main" val="0"/>
+              </a:ext>
+            </a:extLst>
+          </a:blip>
+          <a:srcRect t="-32628" b="-32628"/>
+          <a:stretch/>
+        </p:blipFill>
+        <p:spPr>
+          <a:xfrm>
+            <a:off x="3867993" y="262991"/>
+            <a:ext cx="7940549" cy="6595009"/>
+          </a:xfrm>
+        </p:spPr>
+      </p:pic>
     </p:spTree>
     <p:extLst>
       <p:ext uri="{BB962C8B-B14F-4D97-AF65-F5344CB8AC3E}">
@@ -3284,7 +3348,7 @@
       </p:grpSpPr>
       <p:sp>
         <p:nvSpPr>
-          <p:cNvPr id="6" name="Title 5"/>
+          <p:cNvPr id="2" name="Title 1"/>
           <p:cNvSpPr>
             <a:spLocks noGrp="1"/>
           </p:cNvSpPr>
@@ -3294,19 +3358,328 @@
         </p:nvSpPr>
         <p:spPr>
           <a:xfrm>
-            <a:off x="839788" y="457200"/>
-            <a:ext cx="3932237" cy="762000"/>
+            <a:off x="839787" y="457200"/>
+            <a:ext cx="7640665" cy="910354"/>
           </a:xfrm>
         </p:spPr>
         <p:txBody>
-          <a:bodyPr/>
-          <a:lstStyle/>
-          <a:p>
+          <a:bodyPr>
+            <a:noAutofit/>
+          </a:bodyPr>
+          <a:lstStyle/>
+          <a:p>
+            <a:r>
+              <a:rPr lang="en-US" sz="4400" dirty="0" smtClean="0"/>
+              <a:t>Overview of the Data</a:t>
+            </a:r>
+            <a:endParaRPr lang="en-US" sz="4400" dirty="0"/>
+          </a:p>
+        </p:txBody>
+      </p:sp>
+      <p:pic>
+        <p:nvPicPr>
+          <p:cNvPr id="5" name="Picture Placeholder 4"/>
+          <p:cNvPicPr>
+            <a:picLocks noGrp="1" noChangeAspect="1"/>
+          </p:cNvPicPr>
+          <p:nvPr>
+            <p:ph type="pic" idx="1"/>
+          </p:nvPr>
+        </p:nvPicPr>
+        <p:blipFill rotWithShape="1">
+          <a:blip r:embed="rId2" cstate="print">
+            <a:extLst>
+              <a:ext uri="{28A0092B-C50C-407E-A947-70E740481C1C}">
+                <a14:useLocalDpi xmlns:a14="http://schemas.microsoft.com/office/drawing/2010/main" val="0"/>
+              </a:ext>
+            </a:extLst>
+          </a:blip>
+          <a:srcRect l="1069" t="4974" r="51527" b="60985"/>
+          <a:stretch/>
+        </p:blipFill>
+        <p:spPr>
+          <a:xfrm>
+            <a:off x="4527732" y="1371600"/>
+            <a:ext cx="7383743" cy="4347347"/>
+          </a:xfrm>
+        </p:spPr>
+      </p:pic>
+      <p:sp>
+        <p:nvSpPr>
+          <p:cNvPr id="6" name="Text Placeholder 5"/>
+          <p:cNvSpPr>
+            <a:spLocks noGrp="1"/>
+          </p:cNvSpPr>
+          <p:nvPr>
+            <p:ph type="body" sz="half" idx="2"/>
+          </p:nvPr>
+        </p:nvSpPr>
+        <p:spPr>
+          <a:xfrm>
+            <a:off x="839788" y="1497027"/>
+            <a:ext cx="3932237" cy="4371961"/>
+          </a:xfrm>
+        </p:spPr>
+        <p:txBody>
+          <a:bodyPr>
+            <a:noAutofit/>
+          </a:bodyPr>
+          <a:lstStyle/>
+          <a:p>
+            <a:pPr marL="285750" indent="-285750">
+              <a:buFont typeface="Arial" panose="020B0604020202020204" pitchFamily="34" charset="0"/>
+              <a:buChar char="•"/>
+            </a:pPr>
+            <a:r>
+              <a:rPr lang="en-US" sz="2400" dirty="0" smtClean="0"/>
+              <a:t>Sleep Quality versus various measures</a:t>
+            </a:r>
+          </a:p>
+          <a:p>
+            <a:pPr marL="285750" indent="-285750">
+              <a:buFont typeface="Arial" panose="020B0604020202020204" pitchFamily="34" charset="0"/>
+              <a:buChar char="•"/>
+            </a:pPr>
+            <a:r>
+              <a:rPr lang="en-US" sz="2400" dirty="0" smtClean="0"/>
+              <a:t>Sleep Quality</a:t>
+            </a:r>
+          </a:p>
+          <a:p>
+            <a:pPr marL="742950" lvl="1" indent="-285750">
+              <a:buFont typeface="Arial" panose="020B0604020202020204" pitchFamily="34" charset="0"/>
+              <a:buChar char="•"/>
+            </a:pPr>
+            <a:r>
+              <a:rPr lang="en-US" sz="2000" dirty="0" smtClean="0"/>
+              <a:t>5 (very good) – 1 (very poor)</a:t>
+            </a:r>
+          </a:p>
+          <a:p>
+            <a:pPr marL="285750" indent="-285750">
+              <a:buFont typeface="Arial" panose="020B0604020202020204" pitchFamily="34" charset="0"/>
+              <a:buChar char="•"/>
+            </a:pPr>
+            <a:r>
+              <a:rPr lang="en-US" sz="2400" dirty="0" smtClean="0"/>
+              <a:t>Falling Asleep</a:t>
+            </a:r>
+          </a:p>
+          <a:p>
+            <a:pPr marL="742950" lvl="1" indent="-285750">
+              <a:buFont typeface="Arial" panose="020B0604020202020204" pitchFamily="34" charset="0"/>
+              <a:buChar char="•"/>
+            </a:pPr>
+            <a:r>
+              <a:rPr lang="en-US" sz="2000" dirty="0" smtClean="0"/>
+              <a:t>5 (very easy) – 1 (very difficult)</a:t>
+            </a:r>
+          </a:p>
+          <a:p>
+            <a:pPr marL="285750" indent="-285750">
+              <a:buFont typeface="Arial" panose="020B0604020202020204" pitchFamily="34" charset="0"/>
+              <a:buChar char="•"/>
+            </a:pPr>
+            <a:r>
+              <a:rPr lang="en-US" sz="2400" dirty="0" smtClean="0"/>
+              <a:t>Health Status</a:t>
+            </a:r>
+          </a:p>
+          <a:p>
+            <a:pPr marL="742950" lvl="1" indent="-285750">
+              <a:buFont typeface="Arial" panose="020B0604020202020204" pitchFamily="34" charset="0"/>
+              <a:buChar char="•"/>
+            </a:pPr>
+            <a:r>
+              <a:rPr lang="en-US" sz="2000" dirty="0" smtClean="0"/>
+              <a:t>4 (excellent) – 1 (poor)</a:t>
+            </a:r>
+            <a:endParaRPr lang="en-US" sz="2000" dirty="0"/>
+          </a:p>
+        </p:txBody>
+      </p:sp>
+    </p:spTree>
+    <p:extLst>
+      <p:ext uri="{BB962C8B-B14F-4D97-AF65-F5344CB8AC3E}">
+        <p14:creationId xmlns:p14="http://schemas.microsoft.com/office/powerpoint/2010/main" val="2144077993"/>
+      </p:ext>
+    </p:extLst>
+  </p:cSld>
+  <p:clrMapOvr>
+    <a:masterClrMapping/>
+  </p:clrMapOvr>
+  <p:timing>
+    <p:tnLst>
+      <p:par>
+        <p:cTn id="1" dur="indefinite" restart="never" nodeType="tmRoot"/>
+      </p:par>
+    </p:tnLst>
+  </p:timing>
+</p:sld>
+</file>
+
+<file path=ppt/slides/slide5.xml><?xml version="1.0" encoding="utf-8"?>
+<p:sld xmlns:a="http://schemas.openxmlformats.org/drawingml/2006/main" xmlns:r="http://schemas.openxmlformats.org/officeDocument/2006/relationships" xmlns:p="http://schemas.openxmlformats.org/presentationml/2006/main">
+  <p:cSld>
+    <p:spTree>
+      <p:nvGrpSpPr>
+        <p:cNvPr id="1" name=""/>
+        <p:cNvGrpSpPr/>
+        <p:nvPr/>
+      </p:nvGrpSpPr>
+      <p:grpSpPr>
+        <a:xfrm>
+          <a:off x="0" y="0"/>
+          <a:ext cx="0" cy="0"/>
+          <a:chOff x="0" y="0"/>
+          <a:chExt cx="0" cy="0"/>
+        </a:xfrm>
+      </p:grpSpPr>
+      <p:sp>
+        <p:nvSpPr>
+          <p:cNvPr id="2" name="Title 1"/>
+          <p:cNvSpPr>
+            <a:spLocks noGrp="1"/>
+          </p:cNvSpPr>
+          <p:nvPr>
+            <p:ph type="title"/>
+          </p:nvPr>
+        </p:nvSpPr>
+        <p:spPr>
+          <a:xfrm>
+            <a:off x="839788" y="392660"/>
+            <a:ext cx="6394492" cy="594765"/>
+          </a:xfrm>
+        </p:spPr>
+        <p:txBody>
+          <a:bodyPr>
+            <a:normAutofit fontScale="90000"/>
+          </a:bodyPr>
+          <a:lstStyle/>
+          <a:p>
+            <a:r>
+              <a:rPr lang="en-US" sz="4400" dirty="0" smtClean="0"/>
+              <a:t>Time per Activity Type</a:t>
+            </a:r>
+            <a:endParaRPr lang="en-US" sz="4400" dirty="0"/>
+          </a:p>
+        </p:txBody>
+      </p:sp>
+      <p:sp>
+        <p:nvSpPr>
+          <p:cNvPr id="3" name="Content Placeholder 2"/>
+          <p:cNvSpPr>
+            <a:spLocks noGrp="1"/>
+          </p:cNvSpPr>
+          <p:nvPr>
+            <p:ph idx="1"/>
+          </p:nvPr>
+        </p:nvSpPr>
+        <p:spPr/>
+        <p:txBody>
+          <a:bodyPr/>
+          <a:lstStyle/>
+          <a:p>
+            <a:endParaRPr lang="en-US"/>
+          </a:p>
+        </p:txBody>
+      </p:sp>
+      <p:sp>
+        <p:nvSpPr>
+          <p:cNvPr id="4" name="Text Placeholder 3"/>
+          <p:cNvSpPr>
+            <a:spLocks noGrp="1"/>
+          </p:cNvSpPr>
+          <p:nvPr>
+            <p:ph type="body" sz="half" idx="2"/>
+          </p:nvPr>
+        </p:nvSpPr>
+        <p:spPr>
+          <a:xfrm>
+            <a:off x="839788" y="1221897"/>
+            <a:ext cx="3974973" cy="4647091"/>
+          </a:xfrm>
+        </p:spPr>
+        <p:txBody>
+          <a:bodyPr/>
+          <a:lstStyle/>
+          <a:p>
+            <a:pPr marL="285750" indent="-285750">
+              <a:buFont typeface="Arial" panose="020B0604020202020204" pitchFamily="34" charset="0"/>
+              <a:buChar char="•"/>
+            </a:pPr>
             <a:r>
               <a:rPr lang="en-US" dirty="0" smtClean="0"/>
+              <a:t>Reformatting Data</a:t>
+            </a:r>
+            <a:endParaRPr lang="en-US" dirty="0"/>
+          </a:p>
+        </p:txBody>
+      </p:sp>
+    </p:spTree>
+    <p:extLst>
+      <p:ext uri="{BB962C8B-B14F-4D97-AF65-F5344CB8AC3E}">
+        <p14:creationId xmlns:p14="http://schemas.microsoft.com/office/powerpoint/2010/main" val="3967314977"/>
+      </p:ext>
+    </p:extLst>
+  </p:cSld>
+  <p:clrMapOvr>
+    <a:masterClrMapping/>
+  </p:clrMapOvr>
+  <p:timing>
+    <p:tnLst>
+      <p:par>
+        <p:cTn id="1" dur="indefinite" restart="never" nodeType="tmRoot"/>
+      </p:par>
+    </p:tnLst>
+  </p:timing>
+</p:sld>
+</file>
+
+<file path=ppt/slides/slide6.xml><?xml version="1.0" encoding="utf-8"?>
+<p:sld xmlns:a="http://schemas.openxmlformats.org/drawingml/2006/main" xmlns:r="http://schemas.openxmlformats.org/officeDocument/2006/relationships" xmlns:p="http://schemas.openxmlformats.org/presentationml/2006/main">
+  <p:cSld>
+    <p:spTree>
+      <p:nvGrpSpPr>
+        <p:cNvPr id="1" name=""/>
+        <p:cNvGrpSpPr/>
+        <p:nvPr/>
+      </p:nvGrpSpPr>
+      <p:grpSpPr>
+        <a:xfrm>
+          <a:off x="0" y="0"/>
+          <a:ext cx="0" cy="0"/>
+          <a:chOff x="0" y="0"/>
+          <a:chExt cx="0" cy="0"/>
+        </a:xfrm>
+      </p:grpSpPr>
+      <p:sp>
+        <p:nvSpPr>
+          <p:cNvPr id="6" name="Title 5"/>
+          <p:cNvSpPr>
+            <a:spLocks noGrp="1"/>
+          </p:cNvSpPr>
+          <p:nvPr>
+            <p:ph type="title"/>
+          </p:nvPr>
+        </p:nvSpPr>
+        <p:spPr>
+          <a:xfrm>
+            <a:off x="839788" y="166788"/>
+            <a:ext cx="4735624" cy="762000"/>
+          </a:xfrm>
+        </p:spPr>
+        <p:txBody>
+          <a:bodyPr>
+            <a:noAutofit/>
+          </a:bodyPr>
+          <a:lstStyle/>
+          <a:p>
+            <a:r>
+              <a:rPr lang="en-US" sz="4400" dirty="0" smtClean="0"/>
               <a:t>Job and Age Status</a:t>
             </a:r>
-            <a:endParaRPr lang="en-US" dirty="0"/>
+            <a:endParaRPr lang="en-US" sz="4400" dirty="0"/>
           </a:p>
         </p:txBody>
       </p:sp>
@@ -3334,7 +3707,7 @@
         </p:blipFill>
         <p:spPr>
           <a:xfrm>
-            <a:off x="4772025" y="442991"/>
+            <a:off x="4772025" y="790776"/>
             <a:ext cx="7419975" cy="6067224"/>
           </a:xfrm>
         </p:spPr>
@@ -3356,7 +3729,9 @@
           </a:xfrm>
         </p:spPr>
         <p:txBody>
-          <a:bodyPr/>
+          <a:bodyPr>
+            <a:normAutofit/>
+          </a:bodyPr>
           <a:lstStyle/>
           <a:p>
             <a:pPr marL="285750" indent="-285750">
@@ -3364,8 +3739,8 @@
               <a:buChar char="•"/>
             </a:pPr>
             <a:r>
-              <a:rPr lang="en-US" dirty="0" smtClean="0"/>
-              <a:t>Data Reformatting</a:t>
+              <a:rPr lang="en-US" sz="2800" dirty="0" smtClean="0"/>
+              <a:t>Jobs titles as dimensions</a:t>
             </a:r>
           </a:p>
           <a:p>
@@ -3373,7 +3748,28 @@
               <a:buFont typeface="Arial" panose="020B0604020202020204" pitchFamily="34" charset="0"/>
               <a:buChar char="•"/>
             </a:pPr>
-            <a:endParaRPr lang="en-US" dirty="0"/>
+            <a:r>
+              <a:rPr lang="en-US" sz="2800" dirty="0" smtClean="0"/>
+              <a:t>Separate worksheets</a:t>
+            </a:r>
+          </a:p>
+          <a:p>
+            <a:pPr marL="285750" indent="-285750">
+              <a:buFont typeface="Arial" panose="020B0604020202020204" pitchFamily="34" charset="0"/>
+              <a:buChar char="•"/>
+            </a:pPr>
+            <a:r>
+              <a:rPr lang="en-US" sz="2800" dirty="0" smtClean="0"/>
+              <a:t>Utilized dashboard</a:t>
+            </a:r>
+            <a:endParaRPr lang="en-US" sz="2800" dirty="0" smtClean="0"/>
+          </a:p>
+          <a:p>
+            <a:pPr marL="285750" indent="-285750">
+              <a:buFont typeface="Arial" panose="020B0604020202020204" pitchFamily="34" charset="0"/>
+              <a:buChar char="•"/>
+            </a:pPr>
+            <a:endParaRPr lang="en-US" sz="2800" dirty="0"/>
           </a:p>
         </p:txBody>
       </p:sp>
@@ -3381,6 +3777,73 @@
     <p:extLst>
       <p:ext uri="{BB962C8B-B14F-4D97-AF65-F5344CB8AC3E}">
         <p14:creationId xmlns:p14="http://schemas.microsoft.com/office/powerpoint/2010/main" val="1201230397"/>
+      </p:ext>
+    </p:extLst>
+  </p:cSld>
+  <p:clrMapOvr>
+    <a:masterClrMapping/>
+  </p:clrMapOvr>
+  <p:timing>
+    <p:tnLst>
+      <p:par>
+        <p:cTn id="1" dur="indefinite" restart="never" nodeType="tmRoot"/>
+      </p:par>
+    </p:tnLst>
+  </p:timing>
+</p:sld>
+</file>
+
+<file path=ppt/slides/slide7.xml><?xml version="1.0" encoding="utf-8"?>
+<p:sld xmlns:a="http://schemas.openxmlformats.org/drawingml/2006/main" xmlns:r="http://schemas.openxmlformats.org/officeDocument/2006/relationships" xmlns:p="http://schemas.openxmlformats.org/presentationml/2006/main">
+  <p:cSld>
+    <p:spTree>
+      <p:nvGrpSpPr>
+        <p:cNvPr id="1" name=""/>
+        <p:cNvGrpSpPr/>
+        <p:nvPr/>
+      </p:nvGrpSpPr>
+      <p:grpSpPr>
+        <a:xfrm>
+          <a:off x="0" y="0"/>
+          <a:ext cx="0" cy="0"/>
+          <a:chOff x="0" y="0"/>
+          <a:chExt cx="0" cy="0"/>
+        </a:xfrm>
+      </p:grpSpPr>
+      <p:pic>
+        <p:nvPicPr>
+          <p:cNvPr id="2" name="Picture 1"/>
+          <p:cNvPicPr>
+            <a:picLocks noChangeAspect="1"/>
+          </p:cNvPicPr>
+          <p:nvPr/>
+        </p:nvPicPr>
+        <p:blipFill>
+          <a:blip r:embed="rId2" cstate="print">
+            <a:extLst>
+              <a:ext uri="{28A0092B-C50C-407E-A947-70E740481C1C}">
+                <a14:useLocalDpi xmlns:a14="http://schemas.microsoft.com/office/drawing/2010/main" val="0"/>
+              </a:ext>
+            </a:extLst>
+          </a:blip>
+          <a:stretch>
+            <a:fillRect/>
+          </a:stretch>
+        </p:blipFill>
+        <p:spPr>
+          <a:xfrm>
+            <a:off x="1383341" y="-364143"/>
+            <a:ext cx="9840312" cy="7603877"/>
+          </a:xfrm>
+          <a:prstGeom prst="rect">
+            <a:avLst/>
+          </a:prstGeom>
+        </p:spPr>
+      </p:pic>
+    </p:spTree>
+    <p:extLst>
+      <p:ext uri="{BB962C8B-B14F-4D97-AF65-F5344CB8AC3E}">
+        <p14:creationId xmlns:p14="http://schemas.microsoft.com/office/powerpoint/2010/main" val="3455524681"/>
       </p:ext>
     </p:extLst>
   </p:cSld>

--- a/TEData.pptx
+++ b/TEData.pptx
@@ -2,18 +2,34 @@
 <file path=ppt/presentation.xml><?xml version="1.0" encoding="utf-8"?>
 <p:presentation xmlns:a="http://schemas.openxmlformats.org/drawingml/2006/main" xmlns:r="http://schemas.openxmlformats.org/officeDocument/2006/relationships" xmlns:p="http://schemas.openxmlformats.org/presentationml/2006/main" saveSubsetFonts="1">
   <p:sldMasterIdLst>
-    <p:sldMasterId id="2147483648" r:id="rId1"/>
+    <p:sldMasterId id="2147483660" r:id="rId1"/>
   </p:sldMasterIdLst>
   <p:sldIdLst>
     <p:sldId id="256" r:id="rId2"/>
     <p:sldId id="257" r:id="rId3"/>
     <p:sldId id="259" r:id="rId4"/>
     <p:sldId id="262" r:id="rId5"/>
-    <p:sldId id="260" r:id="rId6"/>
-    <p:sldId id="258" r:id="rId7"/>
-    <p:sldId id="261" r:id="rId8"/>
+    <p:sldId id="271" r:id="rId6"/>
+    <p:sldId id="272" r:id="rId7"/>
+    <p:sldId id="263" r:id="rId8"/>
+    <p:sldId id="273" r:id="rId9"/>
+    <p:sldId id="264" r:id="rId10"/>
+    <p:sldId id="260" r:id="rId11"/>
+    <p:sldId id="274" r:id="rId12"/>
+    <p:sldId id="265" r:id="rId13"/>
+    <p:sldId id="275" r:id="rId14"/>
+    <p:sldId id="276" r:id="rId15"/>
+    <p:sldId id="267" r:id="rId16"/>
+    <p:sldId id="268" r:id="rId17"/>
+    <p:sldId id="277" r:id="rId18"/>
+    <p:sldId id="269" r:id="rId19"/>
+    <p:sldId id="270" r:id="rId20"/>
+    <p:sldId id="278" r:id="rId21"/>
+    <p:sldId id="279" r:id="rId22"/>
+    <p:sldId id="258" r:id="rId23"/>
+    <p:sldId id="261" r:id="rId24"/>
   </p:sldIdLst>
-  <p:sldSz cx="12192000" cy="6858000"/>
+  <p:sldSz cx="9144000" cy="6858000" type="screen4x3"/>
   <p:notesSz cx="6858000" cy="9144000"/>
   <p:defaultTextStyle>
     <a:defPPr>
@@ -147,8 +163,8 @@
         </p:nvSpPr>
         <p:spPr>
           <a:xfrm>
-            <a:off x="1524000" y="1122363"/>
-            <a:ext cx="9144000" cy="2387600"/>
+            <a:off x="685800" y="1122363"/>
+            <a:ext cx="7772400" cy="2387600"/>
           </a:xfrm>
         </p:spPr>
         <p:txBody>
@@ -163,7 +179,7 @@
               <a:rPr lang="en-US" smtClean="0"/>
               <a:t>Click to edit Master title style</a:t>
             </a:r>
-            <a:endParaRPr lang="en-US"/>
+            <a:endParaRPr lang="en-US" dirty="0"/>
           </a:p>
         </p:txBody>
       </p:sp>
@@ -179,8 +195,8 @@
         </p:nvSpPr>
         <p:spPr>
           <a:xfrm>
-            <a:off x="1524000" y="3602038"/>
-            <a:ext cx="9144000" cy="1655762"/>
+            <a:off x="1143000" y="3602038"/>
+            <a:ext cx="6858000" cy="1655762"/>
           </a:xfrm>
         </p:spPr>
         <p:txBody>
@@ -228,7 +244,7 @@
               <a:rPr lang="en-US" smtClean="0"/>
               <a:t>Click to edit Master subtitle style</a:t>
             </a:r>
-            <a:endParaRPr lang="en-US"/>
+            <a:endParaRPr lang="en-US" dirty="0"/>
           </a:p>
         </p:txBody>
       </p:sp>
@@ -300,7 +316,7 @@
     </p:spTree>
     <p:extLst>
       <p:ext uri="{BB962C8B-B14F-4D97-AF65-F5344CB8AC3E}">
-        <p14:creationId xmlns:p14="http://schemas.microsoft.com/office/powerpoint/2010/main" val="1008024964"/>
+        <p14:creationId xmlns:p14="http://schemas.microsoft.com/office/powerpoint/2010/main" val="3705941400"/>
       </p:ext>
     </p:extLst>
   </p:cSld>
@@ -346,7 +362,7 @@
               <a:rPr lang="en-US" smtClean="0"/>
               <a:t>Click to edit Master title style</a:t>
             </a:r>
-            <a:endParaRPr lang="en-US"/>
+            <a:endParaRPr lang="en-US" dirty="0"/>
           </a:p>
         </p:txBody>
       </p:sp>
@@ -398,7 +414,7 @@
               <a:rPr lang="en-US" smtClean="0"/>
               <a:t>Fifth level</a:t>
             </a:r>
-            <a:endParaRPr lang="en-US"/>
+            <a:endParaRPr lang="en-US" dirty="0"/>
           </a:p>
         </p:txBody>
       </p:sp>
@@ -470,7 +486,7 @@
     </p:spTree>
     <p:extLst>
       <p:ext uri="{BB962C8B-B14F-4D97-AF65-F5344CB8AC3E}">
-        <p14:creationId xmlns:p14="http://schemas.microsoft.com/office/powerpoint/2010/main" val="3936402739"/>
+        <p14:creationId xmlns:p14="http://schemas.microsoft.com/office/powerpoint/2010/main" val="2110185565"/>
       </p:ext>
     </p:extLst>
   </p:cSld>
@@ -509,8 +525,8 @@
         </p:nvSpPr>
         <p:spPr>
           <a:xfrm>
-            <a:off x="8724900" y="365125"/>
-            <a:ext cx="2628900" cy="5811838"/>
+            <a:off x="6543675" y="365125"/>
+            <a:ext cx="1971675" cy="5811838"/>
           </a:xfrm>
         </p:spPr>
         <p:txBody>
@@ -521,7 +537,7 @@
               <a:rPr lang="en-US" smtClean="0"/>
               <a:t>Click to edit Master title style</a:t>
             </a:r>
-            <a:endParaRPr lang="en-US"/>
+            <a:endParaRPr lang="en-US" dirty="0"/>
           </a:p>
         </p:txBody>
       </p:sp>
@@ -537,8 +553,8 @@
         </p:nvSpPr>
         <p:spPr>
           <a:xfrm>
-            <a:off x="838200" y="365125"/>
-            <a:ext cx="7734300" cy="5811838"/>
+            <a:off x="628650" y="365125"/>
+            <a:ext cx="5800725" cy="5811838"/>
           </a:xfrm>
         </p:spPr>
         <p:txBody>
@@ -578,7 +594,7 @@
               <a:rPr lang="en-US" smtClean="0"/>
               <a:t>Fifth level</a:t>
             </a:r>
-            <a:endParaRPr lang="en-US"/>
+            <a:endParaRPr lang="en-US" dirty="0"/>
           </a:p>
         </p:txBody>
       </p:sp>
@@ -650,7 +666,7 @@
     </p:spTree>
     <p:extLst>
       <p:ext uri="{BB962C8B-B14F-4D97-AF65-F5344CB8AC3E}">
-        <p14:creationId xmlns:p14="http://schemas.microsoft.com/office/powerpoint/2010/main" val="2207745266"/>
+        <p14:creationId xmlns:p14="http://schemas.microsoft.com/office/powerpoint/2010/main" val="22107057"/>
       </p:ext>
     </p:extLst>
   </p:cSld>
@@ -696,7 +712,7 @@
               <a:rPr lang="en-US" smtClean="0"/>
               <a:t>Click to edit Master title style</a:t>
             </a:r>
-            <a:endParaRPr lang="en-US"/>
+            <a:endParaRPr lang="en-US" dirty="0"/>
           </a:p>
         </p:txBody>
       </p:sp>
@@ -748,7 +764,7 @@
               <a:rPr lang="en-US" smtClean="0"/>
               <a:t>Fifth level</a:t>
             </a:r>
-            <a:endParaRPr lang="en-US"/>
+            <a:endParaRPr lang="en-US" dirty="0"/>
           </a:p>
         </p:txBody>
       </p:sp>
@@ -820,7 +836,7 @@
     </p:spTree>
     <p:extLst>
       <p:ext uri="{BB962C8B-B14F-4D97-AF65-F5344CB8AC3E}">
-        <p14:creationId xmlns:p14="http://schemas.microsoft.com/office/powerpoint/2010/main" val="1467490307"/>
+        <p14:creationId xmlns:p14="http://schemas.microsoft.com/office/powerpoint/2010/main" val="4065520181"/>
       </p:ext>
     </p:extLst>
   </p:cSld>
@@ -859,8 +875,8 @@
         </p:nvSpPr>
         <p:spPr>
           <a:xfrm>
-            <a:off x="831850" y="1709738"/>
-            <a:ext cx="10515600" cy="2852737"/>
+            <a:off x="623888" y="1709739"/>
+            <a:ext cx="7886700" cy="2852737"/>
           </a:xfrm>
         </p:spPr>
         <p:txBody>
@@ -875,7 +891,7 @@
               <a:rPr lang="en-US" smtClean="0"/>
               <a:t>Click to edit Master title style</a:t>
             </a:r>
-            <a:endParaRPr lang="en-US"/>
+            <a:endParaRPr lang="en-US" dirty="0"/>
           </a:p>
         </p:txBody>
       </p:sp>
@@ -891,8 +907,8 @@
         </p:nvSpPr>
         <p:spPr>
           <a:xfrm>
-            <a:off x="831850" y="4589463"/>
-            <a:ext cx="10515600" cy="1500187"/>
+            <a:off x="623888" y="4589464"/>
+            <a:ext cx="7886700" cy="1500187"/>
           </a:xfrm>
         </p:spPr>
         <p:txBody>
@@ -902,9 +918,7 @@
               <a:buNone/>
               <a:defRPr sz="2400">
                 <a:solidFill>
-                  <a:schemeClr val="tx1">
-                    <a:tint val="75000"/>
-                  </a:schemeClr>
+                  <a:schemeClr val="tx1"/>
                 </a:solidFill>
               </a:defRPr>
             </a:lvl1pPr>
@@ -1066,7 +1080,7 @@
     </p:spTree>
     <p:extLst>
       <p:ext uri="{BB962C8B-B14F-4D97-AF65-F5344CB8AC3E}">
-        <p14:creationId xmlns:p14="http://schemas.microsoft.com/office/powerpoint/2010/main" val="2947248910"/>
+        <p14:creationId xmlns:p14="http://schemas.microsoft.com/office/powerpoint/2010/main" val="3549869868"/>
       </p:ext>
     </p:extLst>
   </p:cSld>
@@ -1112,7 +1126,7 @@
               <a:rPr lang="en-US" smtClean="0"/>
               <a:t>Click to edit Master title style</a:t>
             </a:r>
-            <a:endParaRPr lang="en-US"/>
+            <a:endParaRPr lang="en-US" dirty="0"/>
           </a:p>
         </p:txBody>
       </p:sp>
@@ -1128,8 +1142,8 @@
         </p:nvSpPr>
         <p:spPr>
           <a:xfrm>
-            <a:off x="838200" y="1825625"/>
-            <a:ext cx="5181600" cy="4351338"/>
+            <a:off x="628650" y="1825625"/>
+            <a:ext cx="3886200" cy="4351338"/>
           </a:xfrm>
         </p:spPr>
         <p:txBody>
@@ -1169,7 +1183,7 @@
               <a:rPr lang="en-US" smtClean="0"/>
               <a:t>Fifth level</a:t>
             </a:r>
-            <a:endParaRPr lang="en-US"/>
+            <a:endParaRPr lang="en-US" dirty="0"/>
           </a:p>
         </p:txBody>
       </p:sp>
@@ -1185,8 +1199,8 @@
         </p:nvSpPr>
         <p:spPr>
           <a:xfrm>
-            <a:off x="6172200" y="1825625"/>
-            <a:ext cx="5181600" cy="4351338"/>
+            <a:off x="4629150" y="1825625"/>
+            <a:ext cx="3886200" cy="4351338"/>
           </a:xfrm>
         </p:spPr>
         <p:txBody>
@@ -1226,7 +1240,7 @@
               <a:rPr lang="en-US" smtClean="0"/>
               <a:t>Fifth level</a:t>
             </a:r>
-            <a:endParaRPr lang="en-US"/>
+            <a:endParaRPr lang="en-US" dirty="0"/>
           </a:p>
         </p:txBody>
       </p:sp>
@@ -1298,7 +1312,7 @@
     </p:spTree>
     <p:extLst>
       <p:ext uri="{BB962C8B-B14F-4D97-AF65-F5344CB8AC3E}">
-        <p14:creationId xmlns:p14="http://schemas.microsoft.com/office/powerpoint/2010/main" val="404278047"/>
+        <p14:creationId xmlns:p14="http://schemas.microsoft.com/office/powerpoint/2010/main" val="4167499910"/>
       </p:ext>
     </p:extLst>
   </p:cSld>
@@ -1337,8 +1351,8 @@
         </p:nvSpPr>
         <p:spPr>
           <a:xfrm>
-            <a:off x="839788" y="365125"/>
-            <a:ext cx="10515600" cy="1325563"/>
+            <a:off x="629841" y="365126"/>
+            <a:ext cx="7886700" cy="1325563"/>
           </a:xfrm>
         </p:spPr>
         <p:txBody>
@@ -1349,7 +1363,7 @@
               <a:rPr lang="en-US" smtClean="0"/>
               <a:t>Click to edit Master title style</a:t>
             </a:r>
-            <a:endParaRPr lang="en-US"/>
+            <a:endParaRPr lang="en-US" dirty="0"/>
           </a:p>
         </p:txBody>
       </p:sp>
@@ -1365,8 +1379,8 @@
         </p:nvSpPr>
         <p:spPr>
           <a:xfrm>
-            <a:off x="839788" y="1681163"/>
-            <a:ext cx="5157787" cy="823912"/>
+            <a:off x="629842" y="1681163"/>
+            <a:ext cx="3868340" cy="823912"/>
           </a:xfrm>
         </p:spPr>
         <p:txBody>
@@ -1430,8 +1444,8 @@
         </p:nvSpPr>
         <p:spPr>
           <a:xfrm>
-            <a:off x="839788" y="2505075"/>
-            <a:ext cx="5157787" cy="3684588"/>
+            <a:off x="629842" y="2505075"/>
+            <a:ext cx="3868340" cy="3684588"/>
           </a:xfrm>
         </p:spPr>
         <p:txBody>
@@ -1471,7 +1485,7 @@
               <a:rPr lang="en-US" smtClean="0"/>
               <a:t>Fifth level</a:t>
             </a:r>
-            <a:endParaRPr lang="en-US"/>
+            <a:endParaRPr lang="en-US" dirty="0"/>
           </a:p>
         </p:txBody>
       </p:sp>
@@ -1487,8 +1501,8 @@
         </p:nvSpPr>
         <p:spPr>
           <a:xfrm>
-            <a:off x="6172200" y="1681163"/>
-            <a:ext cx="5183188" cy="823912"/>
+            <a:off x="4629150" y="1681163"/>
+            <a:ext cx="3887391" cy="823912"/>
           </a:xfrm>
         </p:spPr>
         <p:txBody>
@@ -1552,8 +1566,8 @@
         </p:nvSpPr>
         <p:spPr>
           <a:xfrm>
-            <a:off x="6172200" y="2505075"/>
-            <a:ext cx="5183188" cy="3684588"/>
+            <a:off x="4629150" y="2505075"/>
+            <a:ext cx="3887391" cy="3684588"/>
           </a:xfrm>
         </p:spPr>
         <p:txBody>
@@ -1593,7 +1607,7 @@
               <a:rPr lang="en-US" smtClean="0"/>
               <a:t>Fifth level</a:t>
             </a:r>
-            <a:endParaRPr lang="en-US"/>
+            <a:endParaRPr lang="en-US" dirty="0"/>
           </a:p>
         </p:txBody>
       </p:sp>
@@ -1665,7 +1679,7 @@
     </p:spTree>
     <p:extLst>
       <p:ext uri="{BB962C8B-B14F-4D97-AF65-F5344CB8AC3E}">
-        <p14:creationId xmlns:p14="http://schemas.microsoft.com/office/powerpoint/2010/main" val="2697071740"/>
+        <p14:creationId xmlns:p14="http://schemas.microsoft.com/office/powerpoint/2010/main" val="304532280"/>
       </p:ext>
     </p:extLst>
   </p:cSld>
@@ -1711,7 +1725,7 @@
               <a:rPr lang="en-US" smtClean="0"/>
               <a:t>Click to edit Master title style</a:t>
             </a:r>
-            <a:endParaRPr lang="en-US"/>
+            <a:endParaRPr lang="en-US" dirty="0"/>
           </a:p>
         </p:txBody>
       </p:sp>
@@ -1783,7 +1797,7 @@
     </p:spTree>
     <p:extLst>
       <p:ext uri="{BB962C8B-B14F-4D97-AF65-F5344CB8AC3E}">
-        <p14:creationId xmlns:p14="http://schemas.microsoft.com/office/powerpoint/2010/main" val="2739700273"/>
+        <p14:creationId xmlns:p14="http://schemas.microsoft.com/office/powerpoint/2010/main" val="2816667087"/>
       </p:ext>
     </p:extLst>
   </p:cSld>
@@ -1878,7 +1892,7 @@
     </p:spTree>
     <p:extLst>
       <p:ext uri="{BB962C8B-B14F-4D97-AF65-F5344CB8AC3E}">
-        <p14:creationId xmlns:p14="http://schemas.microsoft.com/office/powerpoint/2010/main" val="2961724091"/>
+        <p14:creationId xmlns:p14="http://schemas.microsoft.com/office/powerpoint/2010/main" val="3916883876"/>
       </p:ext>
     </p:extLst>
   </p:cSld>
@@ -1917,8 +1931,8 @@
         </p:nvSpPr>
         <p:spPr>
           <a:xfrm>
-            <a:off x="839788" y="457200"/>
-            <a:ext cx="3932237" cy="1600200"/>
+            <a:off x="629841" y="457200"/>
+            <a:ext cx="2949178" cy="1600200"/>
           </a:xfrm>
         </p:spPr>
         <p:txBody>
@@ -1933,7 +1947,7 @@
               <a:rPr lang="en-US" smtClean="0"/>
               <a:t>Click to edit Master title style</a:t>
             </a:r>
-            <a:endParaRPr lang="en-US"/>
+            <a:endParaRPr lang="en-US" dirty="0"/>
           </a:p>
         </p:txBody>
       </p:sp>
@@ -1949,8 +1963,8 @@
         </p:nvSpPr>
         <p:spPr>
           <a:xfrm>
-            <a:off x="5183188" y="987425"/>
-            <a:ext cx="6172200" cy="4873625"/>
+            <a:off x="3887391" y="987426"/>
+            <a:ext cx="4629150" cy="4873625"/>
           </a:xfrm>
         </p:spPr>
         <p:txBody>
@@ -2018,7 +2032,7 @@
               <a:rPr lang="en-US" smtClean="0"/>
               <a:t>Fifth level</a:t>
             </a:r>
-            <a:endParaRPr lang="en-US"/>
+            <a:endParaRPr lang="en-US" dirty="0"/>
           </a:p>
         </p:txBody>
       </p:sp>
@@ -2034,8 +2048,8 @@
         </p:nvSpPr>
         <p:spPr>
           <a:xfrm>
-            <a:off x="839788" y="2057400"/>
-            <a:ext cx="3932237" cy="3811588"/>
+            <a:off x="629841" y="2057400"/>
+            <a:ext cx="2949178" cy="3811588"/>
           </a:xfrm>
         </p:spPr>
         <p:txBody>
@@ -2155,7 +2169,7 @@
     </p:spTree>
     <p:extLst>
       <p:ext uri="{BB962C8B-B14F-4D97-AF65-F5344CB8AC3E}">
-        <p14:creationId xmlns:p14="http://schemas.microsoft.com/office/powerpoint/2010/main" val="2940499596"/>
+        <p14:creationId xmlns:p14="http://schemas.microsoft.com/office/powerpoint/2010/main" val="2161433560"/>
       </p:ext>
     </p:extLst>
   </p:cSld>
@@ -2194,8 +2208,8 @@
         </p:nvSpPr>
         <p:spPr>
           <a:xfrm>
-            <a:off x="839788" y="457200"/>
-            <a:ext cx="3932237" cy="1600200"/>
+            <a:off x="629841" y="457200"/>
+            <a:ext cx="2949178" cy="1600200"/>
           </a:xfrm>
         </p:spPr>
         <p:txBody>
@@ -2210,7 +2224,7 @@
               <a:rPr lang="en-US" smtClean="0"/>
               <a:t>Click to edit Master title style</a:t>
             </a:r>
-            <a:endParaRPr lang="en-US"/>
+            <a:endParaRPr lang="en-US" dirty="0"/>
           </a:p>
         </p:txBody>
       </p:sp>
@@ -2218,7 +2232,7 @@
         <p:nvSpPr>
           <p:cNvPr id="3" name="Picture Placeholder 2"/>
           <p:cNvSpPr>
-            <a:spLocks noGrp="1"/>
+            <a:spLocks noGrp="1" noChangeAspect="1"/>
           </p:cNvSpPr>
           <p:nvPr>
             <p:ph type="pic" idx="1"/>
@@ -2226,8 +2240,73 @@
         </p:nvSpPr>
         <p:spPr>
           <a:xfrm>
-            <a:off x="5183188" y="987425"/>
-            <a:ext cx="6172200" cy="4873625"/>
+            <a:off x="3887391" y="987426"/>
+            <a:ext cx="4629150" cy="4873625"/>
+          </a:xfrm>
+        </p:spPr>
+        <p:txBody>
+          <a:bodyPr anchor="t"/>
+          <a:lstStyle>
+            <a:lvl1pPr marL="0" indent="0">
+              <a:buNone/>
+              <a:defRPr sz="3200"/>
+            </a:lvl1pPr>
+            <a:lvl2pPr marL="457200" indent="0">
+              <a:buNone/>
+              <a:defRPr sz="2800"/>
+            </a:lvl2pPr>
+            <a:lvl3pPr marL="914400" indent="0">
+              <a:buNone/>
+              <a:defRPr sz="2400"/>
+            </a:lvl3pPr>
+            <a:lvl4pPr marL="1371600" indent="0">
+              <a:buNone/>
+              <a:defRPr sz="2000"/>
+            </a:lvl4pPr>
+            <a:lvl5pPr marL="1828800" indent="0">
+              <a:buNone/>
+              <a:defRPr sz="2000"/>
+            </a:lvl5pPr>
+            <a:lvl6pPr marL="2286000" indent="0">
+              <a:buNone/>
+              <a:defRPr sz="2000"/>
+            </a:lvl6pPr>
+            <a:lvl7pPr marL="2743200" indent="0">
+              <a:buNone/>
+              <a:defRPr sz="2000"/>
+            </a:lvl7pPr>
+            <a:lvl8pPr marL="3200400" indent="0">
+              <a:buNone/>
+              <a:defRPr sz="2000"/>
+            </a:lvl8pPr>
+            <a:lvl9pPr marL="3657600" indent="0">
+              <a:buNone/>
+              <a:defRPr sz="2000"/>
+            </a:lvl9pPr>
+          </a:lstStyle>
+          <a:p>
+            <a:r>
+              <a:rPr lang="en-US" smtClean="0"/>
+              <a:t>Click icon to add picture</a:t>
+            </a:r>
+            <a:endParaRPr lang="en-US" dirty="0"/>
+          </a:p>
+        </p:txBody>
+      </p:sp>
+      <p:sp>
+        <p:nvSpPr>
+          <p:cNvPr id="4" name="Text Placeholder 3"/>
+          <p:cNvSpPr>
+            <a:spLocks noGrp="1"/>
+          </p:cNvSpPr>
+          <p:nvPr>
+            <p:ph type="body" sz="half" idx="2"/>
+          </p:nvPr>
+        </p:nvSpPr>
+        <p:spPr>
+          <a:xfrm>
+            <a:off x="629841" y="2057400"/>
+            <a:ext cx="2949178" cy="3811588"/>
           </a:xfrm>
         </p:spPr>
         <p:txBody>
@@ -2235,67 +2314,6 @@
           <a:lstStyle>
             <a:lvl1pPr marL="0" indent="0">
               <a:buNone/>
-              <a:defRPr sz="3200"/>
-            </a:lvl1pPr>
-            <a:lvl2pPr marL="457200" indent="0">
-              <a:buNone/>
-              <a:defRPr sz="2800"/>
-            </a:lvl2pPr>
-            <a:lvl3pPr marL="914400" indent="0">
-              <a:buNone/>
-              <a:defRPr sz="2400"/>
-            </a:lvl3pPr>
-            <a:lvl4pPr marL="1371600" indent="0">
-              <a:buNone/>
-              <a:defRPr sz="2000"/>
-            </a:lvl4pPr>
-            <a:lvl5pPr marL="1828800" indent="0">
-              <a:buNone/>
-              <a:defRPr sz="2000"/>
-            </a:lvl5pPr>
-            <a:lvl6pPr marL="2286000" indent="0">
-              <a:buNone/>
-              <a:defRPr sz="2000"/>
-            </a:lvl6pPr>
-            <a:lvl7pPr marL="2743200" indent="0">
-              <a:buNone/>
-              <a:defRPr sz="2000"/>
-            </a:lvl7pPr>
-            <a:lvl8pPr marL="3200400" indent="0">
-              <a:buNone/>
-              <a:defRPr sz="2000"/>
-            </a:lvl8pPr>
-            <a:lvl9pPr marL="3657600" indent="0">
-              <a:buNone/>
-              <a:defRPr sz="2000"/>
-            </a:lvl9pPr>
-          </a:lstStyle>
-          <a:p>
-            <a:endParaRPr lang="en-US"/>
-          </a:p>
-        </p:txBody>
-      </p:sp>
-      <p:sp>
-        <p:nvSpPr>
-          <p:cNvPr id="4" name="Text Placeholder 3"/>
-          <p:cNvSpPr>
-            <a:spLocks noGrp="1"/>
-          </p:cNvSpPr>
-          <p:nvPr>
-            <p:ph type="body" sz="half" idx="2"/>
-          </p:nvPr>
-        </p:nvSpPr>
-        <p:spPr>
-          <a:xfrm>
-            <a:off x="839788" y="2057400"/>
-            <a:ext cx="3932237" cy="3811588"/>
-          </a:xfrm>
-        </p:spPr>
-        <p:txBody>
-          <a:bodyPr/>
-          <a:lstStyle>
-            <a:lvl1pPr marL="0" indent="0">
-              <a:buNone/>
               <a:defRPr sz="1600"/>
             </a:lvl1pPr>
             <a:lvl2pPr marL="457200" indent="0">
@@ -2408,7 +2426,7 @@
     </p:spTree>
     <p:extLst>
       <p:ext uri="{BB962C8B-B14F-4D97-AF65-F5344CB8AC3E}">
-        <p14:creationId xmlns:p14="http://schemas.microsoft.com/office/powerpoint/2010/main" val="3176076605"/>
+        <p14:creationId xmlns:p14="http://schemas.microsoft.com/office/powerpoint/2010/main" val="1338854408"/>
       </p:ext>
     </p:extLst>
   </p:cSld>
@@ -2452,8 +2470,8 @@
         </p:nvSpPr>
         <p:spPr>
           <a:xfrm>
-            <a:off x="838200" y="365125"/>
-            <a:ext cx="10515600" cy="1325563"/>
+            <a:off x="628650" y="365126"/>
+            <a:ext cx="7886700" cy="1325563"/>
           </a:xfrm>
           <a:prstGeom prst="rect">
             <a:avLst/>
@@ -2469,7 +2487,7 @@
               <a:rPr lang="en-US" smtClean="0"/>
               <a:t>Click to edit Master title style</a:t>
             </a:r>
-            <a:endParaRPr lang="en-US"/>
+            <a:endParaRPr lang="en-US" dirty="0"/>
           </a:p>
         </p:txBody>
       </p:sp>
@@ -2485,8 +2503,8 @@
         </p:nvSpPr>
         <p:spPr>
           <a:xfrm>
-            <a:off x="838200" y="1825625"/>
-            <a:ext cx="10515600" cy="4351338"/>
+            <a:off x="628650" y="1825625"/>
+            <a:ext cx="7886700" cy="4351338"/>
           </a:xfrm>
           <a:prstGeom prst="rect">
             <a:avLst/>
@@ -2531,7 +2549,7 @@
               <a:rPr lang="en-US" smtClean="0"/>
               <a:t>Fifth level</a:t>
             </a:r>
-            <a:endParaRPr lang="en-US"/>
+            <a:endParaRPr lang="en-US" dirty="0"/>
           </a:p>
         </p:txBody>
       </p:sp>
@@ -2547,8 +2565,8 @@
         </p:nvSpPr>
         <p:spPr>
           <a:xfrm>
-            <a:off x="838200" y="6356350"/>
-            <a:ext cx="2743200" cy="365125"/>
+            <a:off x="628650" y="6356351"/>
+            <a:ext cx="2057400" cy="365125"/>
           </a:xfrm>
           <a:prstGeom prst="rect">
             <a:avLst/>
@@ -2588,8 +2606,8 @@
         </p:nvSpPr>
         <p:spPr>
           <a:xfrm>
-            <a:off x="4038600" y="6356350"/>
-            <a:ext cx="4114800" cy="365125"/>
+            <a:off x="3028950" y="6356351"/>
+            <a:ext cx="3086100" cy="365125"/>
           </a:xfrm>
           <a:prstGeom prst="rect">
             <a:avLst/>
@@ -2625,8 +2643,8 @@
         </p:nvSpPr>
         <p:spPr>
           <a:xfrm>
-            <a:off x="8610600" y="6356350"/>
-            <a:ext cx="2743200" cy="365125"/>
+            <a:off x="6457950" y="6356351"/>
+            <a:ext cx="2057400" cy="365125"/>
           </a:xfrm>
           <a:prstGeom prst="rect">
             <a:avLst/>
@@ -2657,23 +2675,23 @@
     </p:spTree>
     <p:extLst>
       <p:ext uri="{BB962C8B-B14F-4D97-AF65-F5344CB8AC3E}">
-        <p14:creationId xmlns:p14="http://schemas.microsoft.com/office/powerpoint/2010/main" val="2632166959"/>
+        <p14:creationId xmlns:p14="http://schemas.microsoft.com/office/powerpoint/2010/main" val="1463157644"/>
       </p:ext>
     </p:extLst>
   </p:cSld>
   <p:clrMap bg1="lt1" tx1="dk1" bg2="lt2" tx2="dk2" accent1="accent1" accent2="accent2" accent3="accent3" accent4="accent4" accent5="accent5" accent6="accent6" hlink="hlink" folHlink="folHlink"/>
   <p:sldLayoutIdLst>
-    <p:sldLayoutId id="2147483649" r:id="rId1"/>
-    <p:sldLayoutId id="2147483650" r:id="rId2"/>
-    <p:sldLayoutId id="2147483651" r:id="rId3"/>
-    <p:sldLayoutId id="2147483652" r:id="rId4"/>
-    <p:sldLayoutId id="2147483653" r:id="rId5"/>
-    <p:sldLayoutId id="2147483654" r:id="rId6"/>
-    <p:sldLayoutId id="2147483655" r:id="rId7"/>
-    <p:sldLayoutId id="2147483656" r:id="rId8"/>
-    <p:sldLayoutId id="2147483657" r:id="rId9"/>
-    <p:sldLayoutId id="2147483658" r:id="rId10"/>
-    <p:sldLayoutId id="2147483659" r:id="rId11"/>
+    <p:sldLayoutId id="2147483661" r:id="rId1"/>
+    <p:sldLayoutId id="2147483662" r:id="rId2"/>
+    <p:sldLayoutId id="2147483663" r:id="rId3"/>
+    <p:sldLayoutId id="2147483664" r:id="rId4"/>
+    <p:sldLayoutId id="2147483665" r:id="rId5"/>
+    <p:sldLayoutId id="2147483666" r:id="rId6"/>
+    <p:sldLayoutId id="2147483667" r:id="rId7"/>
+    <p:sldLayoutId id="2147483668" r:id="rId8"/>
+    <p:sldLayoutId id="2147483669" r:id="rId9"/>
+    <p:sldLayoutId id="2147483670" r:id="rId10"/>
+    <p:sldLayoutId id="2147483671" r:id="rId11"/>
   </p:sldLayoutIdLst>
   <p:txStyles>
     <p:titleStyle>
@@ -3057,6 +3075,1472 @@
 </p:sld>
 </file>
 
+<file path=ppt/slides/slide10.xml><?xml version="1.0" encoding="utf-8"?>
+<p:sld xmlns:a="http://schemas.openxmlformats.org/drawingml/2006/main" xmlns:r="http://schemas.openxmlformats.org/officeDocument/2006/relationships" xmlns:p="http://schemas.openxmlformats.org/presentationml/2006/main">
+  <p:cSld>
+    <p:spTree>
+      <p:nvGrpSpPr>
+        <p:cNvPr id="1" name=""/>
+        <p:cNvGrpSpPr/>
+        <p:nvPr/>
+      </p:nvGrpSpPr>
+      <p:grpSpPr>
+        <a:xfrm>
+          <a:off x="0" y="0"/>
+          <a:ext cx="0" cy="0"/>
+          <a:chOff x="0" y="0"/>
+          <a:chExt cx="0" cy="0"/>
+        </a:xfrm>
+      </p:grpSpPr>
+      <p:sp>
+        <p:nvSpPr>
+          <p:cNvPr id="2" name="Title 1"/>
+          <p:cNvSpPr>
+            <a:spLocks noGrp="1"/>
+          </p:cNvSpPr>
+          <p:nvPr>
+            <p:ph type="title"/>
+          </p:nvPr>
+        </p:nvSpPr>
+        <p:spPr>
+          <a:xfrm>
+            <a:off x="420291" y="184058"/>
+            <a:ext cx="8352234" cy="787027"/>
+          </a:xfrm>
+        </p:spPr>
+        <p:txBody>
+          <a:bodyPr>
+            <a:noAutofit/>
+          </a:bodyPr>
+          <a:lstStyle/>
+          <a:p>
+            <a:pPr algn="ctr"/>
+            <a:r>
+              <a:rPr lang="en-US" sz="4400" dirty="0">
+                <a:latin typeface="+mn-lt"/>
+              </a:rPr>
+              <a:t>Time per Activity Type</a:t>
+            </a:r>
+            <a:endParaRPr lang="en-US" sz="4400" dirty="0">
+              <a:latin typeface="+mn-lt"/>
+            </a:endParaRPr>
+          </a:p>
+        </p:txBody>
+      </p:sp>
+      <p:pic>
+        <p:nvPicPr>
+          <p:cNvPr id="5" name="Content Placeholder 4"/>
+          <p:cNvPicPr>
+            <a:picLocks noGrp="1" noChangeAspect="1"/>
+          </p:cNvPicPr>
+          <p:nvPr>
+            <p:ph idx="1"/>
+          </p:nvPr>
+        </p:nvPicPr>
+        <p:blipFill rotWithShape="1">
+          <a:blip r:embed="rId2">
+            <a:extLst>
+              <a:ext uri="{28A0092B-C50C-407E-A947-70E740481C1C}">
+                <a14:useLocalDpi xmlns:a14="http://schemas.microsoft.com/office/drawing/2010/main" val="0"/>
+              </a:ext>
+            </a:extLst>
+          </a:blip>
+          <a:srcRect b="49245"/>
+          <a:stretch/>
+        </p:blipFill>
+        <p:spPr>
+          <a:xfrm>
+            <a:off x="5731315" y="1482269"/>
+            <a:ext cx="2940650" cy="3363449"/>
+          </a:xfrm>
+        </p:spPr>
+      </p:pic>
+      <p:sp>
+        <p:nvSpPr>
+          <p:cNvPr id="4" name="Text Placeholder 3"/>
+          <p:cNvSpPr>
+            <a:spLocks noGrp="1"/>
+          </p:cNvSpPr>
+          <p:nvPr>
+            <p:ph type="body" sz="half" idx="2"/>
+          </p:nvPr>
+        </p:nvSpPr>
+        <p:spPr>
+          <a:xfrm>
+            <a:off x="541266" y="1696955"/>
+            <a:ext cx="4704159" cy="3485318"/>
+          </a:xfrm>
+        </p:spPr>
+        <p:txBody>
+          <a:bodyPr>
+            <a:normAutofit/>
+          </a:bodyPr>
+          <a:lstStyle/>
+          <a:p>
+            <a:pPr marL="214313" indent="-214313">
+              <a:buFont typeface="Arial" panose="020B0604020202020204" pitchFamily="34" charset="0"/>
+              <a:buChar char="•"/>
+            </a:pPr>
+            <a:r>
+              <a:rPr lang="en-US" sz="2800" dirty="0"/>
+              <a:t>Reformatting </a:t>
+            </a:r>
+            <a:r>
+              <a:rPr lang="en-US" sz="2800" dirty="0" smtClean="0"/>
+              <a:t>Data</a:t>
+            </a:r>
+          </a:p>
+          <a:p>
+            <a:pPr marL="214313" indent="-214313">
+              <a:buFont typeface="Arial" panose="020B0604020202020204" pitchFamily="34" charset="0"/>
+              <a:buChar char="•"/>
+            </a:pPr>
+            <a:endParaRPr lang="en-US" sz="2800" dirty="0"/>
+          </a:p>
+        </p:txBody>
+      </p:sp>
+      <p:pic>
+        <p:nvPicPr>
+          <p:cNvPr id="6" name="Picture 5"/>
+          <p:cNvPicPr>
+            <a:picLocks noChangeAspect="1"/>
+          </p:cNvPicPr>
+          <p:nvPr/>
+        </p:nvPicPr>
+        <p:blipFill>
+          <a:blip r:embed="rId3">
+            <a:extLst>
+              <a:ext uri="{28A0092B-C50C-407E-A947-70E740481C1C}">
+                <a14:useLocalDpi xmlns:a14="http://schemas.microsoft.com/office/drawing/2010/main" val="0"/>
+              </a:ext>
+            </a:extLst>
+          </a:blip>
+          <a:stretch>
+            <a:fillRect/>
+          </a:stretch>
+        </p:blipFill>
+        <p:spPr>
+          <a:xfrm>
+            <a:off x="131895" y="2689902"/>
+            <a:ext cx="5599420" cy="1224873"/>
+          </a:xfrm>
+          <a:prstGeom prst="rect">
+            <a:avLst/>
+          </a:prstGeom>
+        </p:spPr>
+      </p:pic>
+    </p:spTree>
+    <p:extLst>
+      <p:ext uri="{BB962C8B-B14F-4D97-AF65-F5344CB8AC3E}">
+        <p14:creationId xmlns:p14="http://schemas.microsoft.com/office/powerpoint/2010/main" val="3967314977"/>
+      </p:ext>
+    </p:extLst>
+  </p:cSld>
+  <p:clrMapOvr>
+    <a:masterClrMapping/>
+  </p:clrMapOvr>
+  <p:timing>
+    <p:tnLst>
+      <p:par>
+        <p:cTn id="1" dur="indefinite" restart="never" nodeType="tmRoot"/>
+      </p:par>
+    </p:tnLst>
+  </p:timing>
+</p:sld>
+</file>
+
+<file path=ppt/slides/slide11.xml><?xml version="1.0" encoding="utf-8"?>
+<p:sld xmlns:a="http://schemas.openxmlformats.org/drawingml/2006/main" xmlns:r="http://schemas.openxmlformats.org/officeDocument/2006/relationships" xmlns:p="http://schemas.openxmlformats.org/presentationml/2006/main">
+  <p:cSld>
+    <p:spTree>
+      <p:nvGrpSpPr>
+        <p:cNvPr id="1" name=""/>
+        <p:cNvGrpSpPr/>
+        <p:nvPr/>
+      </p:nvGrpSpPr>
+      <p:grpSpPr>
+        <a:xfrm>
+          <a:off x="0" y="0"/>
+          <a:ext cx="0" cy="0"/>
+          <a:chOff x="0" y="0"/>
+          <a:chExt cx="0" cy="0"/>
+        </a:xfrm>
+      </p:grpSpPr>
+      <p:sp>
+        <p:nvSpPr>
+          <p:cNvPr id="5" name="Title 4"/>
+          <p:cNvSpPr>
+            <a:spLocks noGrp="1"/>
+          </p:cNvSpPr>
+          <p:nvPr>
+            <p:ph type="title"/>
+          </p:nvPr>
+        </p:nvSpPr>
+        <p:spPr/>
+        <p:txBody>
+          <a:bodyPr/>
+          <a:lstStyle/>
+          <a:p>
+            <a:pPr algn="ctr"/>
+            <a:r>
+              <a:rPr lang="en-US" dirty="0" smtClean="0"/>
+              <a:t>Time per Activity Type</a:t>
+            </a:r>
+            <a:endParaRPr lang="en-US" dirty="0"/>
+          </a:p>
+        </p:txBody>
+      </p:sp>
+      <p:sp>
+        <p:nvSpPr>
+          <p:cNvPr id="6" name="Content Placeholder 5"/>
+          <p:cNvSpPr>
+            <a:spLocks noGrp="1"/>
+          </p:cNvSpPr>
+          <p:nvPr>
+            <p:ph idx="1"/>
+          </p:nvPr>
+        </p:nvSpPr>
+        <p:spPr/>
+        <p:txBody>
+          <a:bodyPr>
+            <a:normAutofit/>
+          </a:bodyPr>
+          <a:lstStyle/>
+          <a:p>
+            <a:pPr marL="214313" indent="-214313"/>
+            <a:r>
+              <a:rPr lang="en-US" dirty="0"/>
+              <a:t>Created calculated field</a:t>
+            </a:r>
+          </a:p>
+          <a:p>
+            <a:r>
+              <a:rPr lang="en-US" sz="1800" dirty="0"/>
+              <a:t>IF [Start Time (Activity)]&gt;[End Time (Activity)] </a:t>
+            </a:r>
+          </a:p>
+          <a:p>
+            <a:r>
+              <a:rPr lang="en-US" sz="1800" dirty="0"/>
+              <a:t>THEN 24 - [Start Time (Activity)] + [End Time (Activity)] </a:t>
+            </a:r>
+          </a:p>
+          <a:p>
+            <a:r>
+              <a:rPr lang="en-US" sz="1800" dirty="0"/>
+              <a:t>ELSE [End Time (Activity)] - [Start Time (Activity)] END</a:t>
+            </a:r>
+          </a:p>
+          <a:p>
+            <a:endParaRPr lang="en-US" sz="1800" dirty="0"/>
+          </a:p>
+        </p:txBody>
+      </p:sp>
+    </p:spTree>
+    <p:extLst>
+      <p:ext uri="{BB962C8B-B14F-4D97-AF65-F5344CB8AC3E}">
+        <p14:creationId xmlns:p14="http://schemas.microsoft.com/office/powerpoint/2010/main" val="4047089489"/>
+      </p:ext>
+    </p:extLst>
+  </p:cSld>
+  <p:clrMapOvr>
+    <a:masterClrMapping/>
+  </p:clrMapOvr>
+  <p:timing>
+    <p:tnLst>
+      <p:par>
+        <p:cTn id="1" dur="indefinite" restart="never" nodeType="tmRoot"/>
+      </p:par>
+    </p:tnLst>
+  </p:timing>
+</p:sld>
+</file>
+
+<file path=ppt/slides/slide12.xml><?xml version="1.0" encoding="utf-8"?>
+<p:sld xmlns:a="http://schemas.openxmlformats.org/drawingml/2006/main" xmlns:r="http://schemas.openxmlformats.org/officeDocument/2006/relationships" xmlns:p="http://schemas.openxmlformats.org/presentationml/2006/main">
+  <p:cSld>
+    <p:spTree>
+      <p:nvGrpSpPr>
+        <p:cNvPr id="1" name=""/>
+        <p:cNvGrpSpPr/>
+        <p:nvPr/>
+      </p:nvGrpSpPr>
+      <p:grpSpPr>
+        <a:xfrm>
+          <a:off x="0" y="0"/>
+          <a:ext cx="0" cy="0"/>
+          <a:chOff x="0" y="0"/>
+          <a:chExt cx="0" cy="0"/>
+        </a:xfrm>
+      </p:grpSpPr>
+      <p:pic>
+        <p:nvPicPr>
+          <p:cNvPr id="5" name="Picture 4"/>
+          <p:cNvPicPr>
+            <a:picLocks noChangeAspect="1"/>
+          </p:cNvPicPr>
+          <p:nvPr/>
+        </p:nvPicPr>
+        <p:blipFill rotWithShape="1">
+          <a:blip r:embed="rId2">
+            <a:extLst>
+              <a:ext uri="{28A0092B-C50C-407E-A947-70E740481C1C}">
+                <a14:useLocalDpi xmlns:a14="http://schemas.microsoft.com/office/drawing/2010/main" val="0"/>
+              </a:ext>
+            </a:extLst>
+          </a:blip>
+          <a:srcRect r="8680"/>
+          <a:stretch/>
+        </p:blipFill>
+        <p:spPr>
+          <a:xfrm>
+            <a:off x="131894" y="1028701"/>
+            <a:ext cx="8847428" cy="5275786"/>
+          </a:xfrm>
+          <a:prstGeom prst="rect">
+            <a:avLst/>
+          </a:prstGeom>
+        </p:spPr>
+      </p:pic>
+      <p:sp>
+        <p:nvSpPr>
+          <p:cNvPr id="6" name="Title 1"/>
+          <p:cNvSpPr txBox="1">
+            <a:spLocks/>
+          </p:cNvSpPr>
+          <p:nvPr/>
+        </p:nvSpPr>
+        <p:spPr>
+          <a:xfrm>
+            <a:off x="1866900" y="333375"/>
+            <a:ext cx="7690340" cy="1183631"/>
+          </a:xfrm>
+          <a:prstGeom prst="rect">
+            <a:avLst/>
+          </a:prstGeom>
+        </p:spPr>
+        <p:txBody>
+          <a:bodyPr>
+            <a:noAutofit/>
+          </a:bodyPr>
+          <a:lstStyle>
+            <a:lvl1pPr algn="l" defTabSz="914400" rtl="0" eaLnBrk="1" latinLnBrk="0" hangingPunct="1">
+              <a:lnSpc>
+                <a:spcPct val="90000"/>
+              </a:lnSpc>
+              <a:spcBef>
+                <a:spcPct val="0"/>
+              </a:spcBef>
+              <a:buNone/>
+              <a:defRPr sz="4400" kern="1200">
+                <a:solidFill>
+                  <a:schemeClr val="tx1"/>
+                </a:solidFill>
+                <a:latin typeface="+mj-lt"/>
+                <a:ea typeface="+mj-ea"/>
+                <a:cs typeface="+mj-cs"/>
+              </a:defRPr>
+            </a:lvl1pPr>
+          </a:lstStyle>
+          <a:p>
+            <a:r>
+              <a:rPr lang="en-US" dirty="0">
+                <a:latin typeface="+mn-lt"/>
+              </a:rPr>
+              <a:t>Time per Activity Type</a:t>
+            </a:r>
+          </a:p>
+        </p:txBody>
+      </p:sp>
+      <p:sp>
+        <p:nvSpPr>
+          <p:cNvPr id="8" name="Rectangle 7"/>
+          <p:cNvSpPr/>
+          <p:nvPr/>
+        </p:nvSpPr>
+        <p:spPr>
+          <a:xfrm>
+            <a:off x="1590674" y="1028701"/>
+            <a:ext cx="1724025" cy="380999"/>
+          </a:xfrm>
+          <a:prstGeom prst="rect">
+            <a:avLst/>
+          </a:prstGeom>
+          <a:noFill/>
+          <a:ln w="28575">
+            <a:solidFill>
+              <a:srgbClr val="FF0000"/>
+            </a:solidFill>
+          </a:ln>
+        </p:spPr>
+        <p:style>
+          <a:lnRef idx="2">
+            <a:schemeClr val="accent1">
+              <a:shade val="50000"/>
+            </a:schemeClr>
+          </a:lnRef>
+          <a:fillRef idx="1">
+            <a:schemeClr val="accent1"/>
+          </a:fillRef>
+          <a:effectRef idx="0">
+            <a:schemeClr val="accent1"/>
+          </a:effectRef>
+          <a:fontRef idx="minor">
+            <a:schemeClr val="lt1"/>
+          </a:fontRef>
+        </p:style>
+        <p:txBody>
+          <a:bodyPr rtlCol="0" anchor="ctr"/>
+          <a:lstStyle/>
+          <a:p>
+            <a:pPr algn="ctr"/>
+            <a:endParaRPr lang="en-US" sz="2000"/>
+          </a:p>
+        </p:txBody>
+      </p:sp>
+    </p:spTree>
+    <p:extLst>
+      <p:ext uri="{BB962C8B-B14F-4D97-AF65-F5344CB8AC3E}">
+        <p14:creationId xmlns:p14="http://schemas.microsoft.com/office/powerpoint/2010/main" val="42287707"/>
+      </p:ext>
+    </p:extLst>
+  </p:cSld>
+  <p:clrMapOvr>
+    <a:masterClrMapping/>
+  </p:clrMapOvr>
+  <p:timing>
+    <p:tnLst>
+      <p:par>
+        <p:cTn id="1" dur="indefinite" restart="never" nodeType="tmRoot"/>
+      </p:par>
+    </p:tnLst>
+  </p:timing>
+</p:sld>
+</file>
+
+<file path=ppt/slides/slide13.xml><?xml version="1.0" encoding="utf-8"?>
+<p:sld xmlns:a="http://schemas.openxmlformats.org/drawingml/2006/main" xmlns:r="http://schemas.openxmlformats.org/officeDocument/2006/relationships" xmlns:p="http://schemas.openxmlformats.org/presentationml/2006/main">
+  <p:cSld>
+    <p:spTree>
+      <p:nvGrpSpPr>
+        <p:cNvPr id="1" name=""/>
+        <p:cNvGrpSpPr/>
+        <p:nvPr/>
+      </p:nvGrpSpPr>
+      <p:grpSpPr>
+        <a:xfrm>
+          <a:off x="0" y="0"/>
+          <a:ext cx="0" cy="0"/>
+          <a:chOff x="0" y="0"/>
+          <a:chExt cx="0" cy="0"/>
+        </a:xfrm>
+      </p:grpSpPr>
+      <p:pic>
+        <p:nvPicPr>
+          <p:cNvPr id="5" name="Picture 4"/>
+          <p:cNvPicPr>
+            <a:picLocks noChangeAspect="1"/>
+          </p:cNvPicPr>
+          <p:nvPr/>
+        </p:nvPicPr>
+        <p:blipFill rotWithShape="1">
+          <a:blip r:embed="rId2">
+            <a:extLst>
+              <a:ext uri="{28A0092B-C50C-407E-A947-70E740481C1C}">
+                <a14:useLocalDpi xmlns:a14="http://schemas.microsoft.com/office/drawing/2010/main" val="0"/>
+              </a:ext>
+            </a:extLst>
+          </a:blip>
+          <a:srcRect r="8680"/>
+          <a:stretch/>
+        </p:blipFill>
+        <p:spPr>
+          <a:xfrm>
+            <a:off x="131894" y="1028701"/>
+            <a:ext cx="8847428" cy="5275786"/>
+          </a:xfrm>
+          <a:prstGeom prst="rect">
+            <a:avLst/>
+          </a:prstGeom>
+        </p:spPr>
+      </p:pic>
+      <p:sp>
+        <p:nvSpPr>
+          <p:cNvPr id="6" name="Title 1"/>
+          <p:cNvSpPr txBox="1">
+            <a:spLocks/>
+          </p:cNvSpPr>
+          <p:nvPr/>
+        </p:nvSpPr>
+        <p:spPr>
+          <a:xfrm>
+            <a:off x="1866900" y="333375"/>
+            <a:ext cx="7690340" cy="1183631"/>
+          </a:xfrm>
+          <a:prstGeom prst="rect">
+            <a:avLst/>
+          </a:prstGeom>
+        </p:spPr>
+        <p:txBody>
+          <a:bodyPr>
+            <a:noAutofit/>
+          </a:bodyPr>
+          <a:lstStyle>
+            <a:lvl1pPr algn="l" defTabSz="914400" rtl="0" eaLnBrk="1" latinLnBrk="0" hangingPunct="1">
+              <a:lnSpc>
+                <a:spcPct val="90000"/>
+              </a:lnSpc>
+              <a:spcBef>
+                <a:spcPct val="0"/>
+              </a:spcBef>
+              <a:buNone/>
+              <a:defRPr sz="4400" kern="1200">
+                <a:solidFill>
+                  <a:schemeClr val="tx1"/>
+                </a:solidFill>
+                <a:latin typeface="+mj-lt"/>
+                <a:ea typeface="+mj-ea"/>
+                <a:cs typeface="+mj-cs"/>
+              </a:defRPr>
+            </a:lvl1pPr>
+          </a:lstStyle>
+          <a:p>
+            <a:r>
+              <a:rPr lang="en-US" dirty="0">
+                <a:latin typeface="+mn-lt"/>
+              </a:rPr>
+              <a:t>Time per Activity Type</a:t>
+            </a:r>
+          </a:p>
+        </p:txBody>
+      </p:sp>
+      <p:sp>
+        <p:nvSpPr>
+          <p:cNvPr id="8" name="Rectangle 7"/>
+          <p:cNvSpPr/>
+          <p:nvPr/>
+        </p:nvSpPr>
+        <p:spPr>
+          <a:xfrm>
+            <a:off x="131894" y="2686050"/>
+            <a:ext cx="868232" cy="1114425"/>
+          </a:xfrm>
+          <a:prstGeom prst="rect">
+            <a:avLst/>
+          </a:prstGeom>
+          <a:noFill/>
+          <a:ln w="28575">
+            <a:solidFill>
+              <a:srgbClr val="FF0000"/>
+            </a:solidFill>
+          </a:ln>
+        </p:spPr>
+        <p:style>
+          <a:lnRef idx="2">
+            <a:schemeClr val="accent1">
+              <a:shade val="50000"/>
+            </a:schemeClr>
+          </a:lnRef>
+          <a:fillRef idx="1">
+            <a:schemeClr val="accent1"/>
+          </a:fillRef>
+          <a:effectRef idx="0">
+            <a:schemeClr val="accent1"/>
+          </a:effectRef>
+          <a:fontRef idx="minor">
+            <a:schemeClr val="lt1"/>
+          </a:fontRef>
+        </p:style>
+        <p:txBody>
+          <a:bodyPr rtlCol="0" anchor="ctr"/>
+          <a:lstStyle/>
+          <a:p>
+            <a:pPr algn="ctr"/>
+            <a:endParaRPr lang="en-US" sz="2000"/>
+          </a:p>
+        </p:txBody>
+      </p:sp>
+    </p:spTree>
+    <p:extLst>
+      <p:ext uri="{BB962C8B-B14F-4D97-AF65-F5344CB8AC3E}">
+        <p14:creationId xmlns:p14="http://schemas.microsoft.com/office/powerpoint/2010/main" val="2610732028"/>
+      </p:ext>
+    </p:extLst>
+  </p:cSld>
+  <p:clrMapOvr>
+    <a:masterClrMapping/>
+  </p:clrMapOvr>
+  <p:timing>
+    <p:tnLst>
+      <p:par>
+        <p:cTn id="1" dur="indefinite" restart="never" nodeType="tmRoot"/>
+      </p:par>
+    </p:tnLst>
+  </p:timing>
+</p:sld>
+</file>
+
+<file path=ppt/slides/slide14.xml><?xml version="1.0" encoding="utf-8"?>
+<p:sld xmlns:a="http://schemas.openxmlformats.org/drawingml/2006/main" xmlns:r="http://schemas.openxmlformats.org/officeDocument/2006/relationships" xmlns:p="http://schemas.openxmlformats.org/presentationml/2006/main">
+  <p:cSld>
+    <p:spTree>
+      <p:nvGrpSpPr>
+        <p:cNvPr id="1" name=""/>
+        <p:cNvGrpSpPr/>
+        <p:nvPr/>
+      </p:nvGrpSpPr>
+      <p:grpSpPr>
+        <a:xfrm>
+          <a:off x="0" y="0"/>
+          <a:ext cx="0" cy="0"/>
+          <a:chOff x="0" y="0"/>
+          <a:chExt cx="0" cy="0"/>
+        </a:xfrm>
+      </p:grpSpPr>
+      <p:pic>
+        <p:nvPicPr>
+          <p:cNvPr id="5" name="Picture 4"/>
+          <p:cNvPicPr>
+            <a:picLocks noChangeAspect="1"/>
+          </p:cNvPicPr>
+          <p:nvPr/>
+        </p:nvPicPr>
+        <p:blipFill rotWithShape="1">
+          <a:blip r:embed="rId2">
+            <a:extLst>
+              <a:ext uri="{28A0092B-C50C-407E-A947-70E740481C1C}">
+                <a14:useLocalDpi xmlns:a14="http://schemas.microsoft.com/office/drawing/2010/main" val="0"/>
+              </a:ext>
+            </a:extLst>
+          </a:blip>
+          <a:srcRect r="8680"/>
+          <a:stretch/>
+        </p:blipFill>
+        <p:spPr>
+          <a:xfrm>
+            <a:off x="131894" y="1028701"/>
+            <a:ext cx="8847428" cy="5275786"/>
+          </a:xfrm>
+          <a:prstGeom prst="rect">
+            <a:avLst/>
+          </a:prstGeom>
+        </p:spPr>
+      </p:pic>
+      <p:sp>
+        <p:nvSpPr>
+          <p:cNvPr id="6" name="Title 1"/>
+          <p:cNvSpPr txBox="1">
+            <a:spLocks/>
+          </p:cNvSpPr>
+          <p:nvPr/>
+        </p:nvSpPr>
+        <p:spPr>
+          <a:xfrm>
+            <a:off x="1866900" y="333375"/>
+            <a:ext cx="7690340" cy="1183631"/>
+          </a:xfrm>
+          <a:prstGeom prst="rect">
+            <a:avLst/>
+          </a:prstGeom>
+        </p:spPr>
+        <p:txBody>
+          <a:bodyPr>
+            <a:noAutofit/>
+          </a:bodyPr>
+          <a:lstStyle>
+            <a:lvl1pPr algn="l" defTabSz="914400" rtl="0" eaLnBrk="1" latinLnBrk="0" hangingPunct="1">
+              <a:lnSpc>
+                <a:spcPct val="90000"/>
+              </a:lnSpc>
+              <a:spcBef>
+                <a:spcPct val="0"/>
+              </a:spcBef>
+              <a:buNone/>
+              <a:defRPr sz="4400" kern="1200">
+                <a:solidFill>
+                  <a:schemeClr val="tx1"/>
+                </a:solidFill>
+                <a:latin typeface="+mj-lt"/>
+                <a:ea typeface="+mj-ea"/>
+                <a:cs typeface="+mj-cs"/>
+              </a:defRPr>
+            </a:lvl1pPr>
+          </a:lstStyle>
+          <a:p>
+            <a:r>
+              <a:rPr lang="en-US" dirty="0">
+                <a:latin typeface="+mn-lt"/>
+              </a:rPr>
+              <a:t>Time per Activity Type</a:t>
+            </a:r>
+          </a:p>
+        </p:txBody>
+      </p:sp>
+    </p:spTree>
+    <p:extLst>
+      <p:ext uri="{BB962C8B-B14F-4D97-AF65-F5344CB8AC3E}">
+        <p14:creationId xmlns:p14="http://schemas.microsoft.com/office/powerpoint/2010/main" val="1496152648"/>
+      </p:ext>
+    </p:extLst>
+  </p:cSld>
+  <p:clrMapOvr>
+    <a:masterClrMapping/>
+  </p:clrMapOvr>
+  <p:timing>
+    <p:tnLst>
+      <p:par>
+        <p:cTn id="1" dur="indefinite" restart="never" nodeType="tmRoot"/>
+      </p:par>
+    </p:tnLst>
+  </p:timing>
+</p:sld>
+</file>
+
+<file path=ppt/slides/slide15.xml><?xml version="1.0" encoding="utf-8"?>
+<p:sld xmlns:a="http://schemas.openxmlformats.org/drawingml/2006/main" xmlns:r="http://schemas.openxmlformats.org/officeDocument/2006/relationships" xmlns:p="http://schemas.openxmlformats.org/presentationml/2006/main">
+  <p:cSld>
+    <p:spTree>
+      <p:nvGrpSpPr>
+        <p:cNvPr id="1" name=""/>
+        <p:cNvGrpSpPr/>
+        <p:nvPr/>
+      </p:nvGrpSpPr>
+      <p:grpSpPr>
+        <a:xfrm>
+          <a:off x="0" y="0"/>
+          <a:ext cx="0" cy="0"/>
+          <a:chOff x="0" y="0"/>
+          <a:chExt cx="0" cy="0"/>
+        </a:xfrm>
+      </p:grpSpPr>
+      <p:sp>
+        <p:nvSpPr>
+          <p:cNvPr id="2" name="Title 1"/>
+          <p:cNvSpPr>
+            <a:spLocks noGrp="1"/>
+          </p:cNvSpPr>
+          <p:nvPr>
+            <p:ph type="title"/>
+          </p:nvPr>
+        </p:nvSpPr>
+        <p:spPr>
+          <a:xfrm>
+            <a:off x="752475" y="196179"/>
+            <a:ext cx="7886700" cy="540910"/>
+          </a:xfrm>
+        </p:spPr>
+        <p:txBody>
+          <a:bodyPr>
+            <a:noAutofit/>
+          </a:bodyPr>
+          <a:lstStyle/>
+          <a:p>
+            <a:pPr algn="ctr"/>
+            <a:r>
+              <a:rPr lang="en-US" dirty="0" smtClean="0">
+                <a:latin typeface="+mn-lt"/>
+              </a:rPr>
+              <a:t>Time per Activity Type v2</a:t>
+            </a:r>
+            <a:endParaRPr lang="en-US" dirty="0">
+              <a:latin typeface="+mn-lt"/>
+            </a:endParaRPr>
+          </a:p>
+        </p:txBody>
+      </p:sp>
+      <p:pic>
+        <p:nvPicPr>
+          <p:cNvPr id="4" name="Content Placeholder 3"/>
+          <p:cNvPicPr>
+            <a:picLocks noGrp="1" noChangeAspect="1"/>
+          </p:cNvPicPr>
+          <p:nvPr>
+            <p:ph idx="1"/>
+          </p:nvPr>
+        </p:nvPicPr>
+        <p:blipFill>
+          <a:blip r:embed="rId2" cstate="print">
+            <a:extLst>
+              <a:ext uri="{28A0092B-C50C-407E-A947-70E740481C1C}">
+                <a14:useLocalDpi xmlns:a14="http://schemas.microsoft.com/office/drawing/2010/main" val="0"/>
+              </a:ext>
+            </a:extLst>
+          </a:blip>
+          <a:stretch>
+            <a:fillRect/>
+          </a:stretch>
+        </p:blipFill>
+        <p:spPr>
+          <a:xfrm>
+            <a:off x="485775" y="804744"/>
+            <a:ext cx="4581525" cy="5929032"/>
+          </a:xfrm>
+        </p:spPr>
+      </p:pic>
+      <p:pic>
+        <p:nvPicPr>
+          <p:cNvPr id="5" name="Picture 4"/>
+          <p:cNvPicPr>
+            <a:picLocks noChangeAspect="1"/>
+          </p:cNvPicPr>
+          <p:nvPr/>
+        </p:nvPicPr>
+        <p:blipFill>
+          <a:blip r:embed="rId3" cstate="print">
+            <a:extLst>
+              <a:ext uri="{28A0092B-C50C-407E-A947-70E740481C1C}">
+                <a14:useLocalDpi xmlns:a14="http://schemas.microsoft.com/office/drawing/2010/main" val="0"/>
+              </a:ext>
+            </a:extLst>
+          </a:blip>
+          <a:stretch>
+            <a:fillRect/>
+          </a:stretch>
+        </p:blipFill>
+        <p:spPr>
+          <a:xfrm>
+            <a:off x="4607803" y="804744"/>
+            <a:ext cx="4464827" cy="5778011"/>
+          </a:xfrm>
+          <a:prstGeom prst="rect">
+            <a:avLst/>
+          </a:prstGeom>
+        </p:spPr>
+      </p:pic>
+    </p:spTree>
+    <p:extLst>
+      <p:ext uri="{BB962C8B-B14F-4D97-AF65-F5344CB8AC3E}">
+        <p14:creationId xmlns:p14="http://schemas.microsoft.com/office/powerpoint/2010/main" val="2862463201"/>
+      </p:ext>
+    </p:extLst>
+  </p:cSld>
+  <p:clrMapOvr>
+    <a:masterClrMapping/>
+  </p:clrMapOvr>
+  <p:timing>
+    <p:tnLst>
+      <p:par>
+        <p:cTn id="1" dur="indefinite" restart="never" nodeType="tmRoot"/>
+      </p:par>
+    </p:tnLst>
+  </p:timing>
+</p:sld>
+</file>
+
+<file path=ppt/slides/slide16.xml><?xml version="1.0" encoding="utf-8"?>
+<p:sld xmlns:a="http://schemas.openxmlformats.org/drawingml/2006/main" xmlns:r="http://schemas.openxmlformats.org/officeDocument/2006/relationships" xmlns:p="http://schemas.openxmlformats.org/presentationml/2006/main">
+  <p:cSld>
+    <p:spTree>
+      <p:nvGrpSpPr>
+        <p:cNvPr id="1" name=""/>
+        <p:cNvGrpSpPr/>
+        <p:nvPr/>
+      </p:nvGrpSpPr>
+      <p:grpSpPr>
+        <a:xfrm>
+          <a:off x="0" y="0"/>
+          <a:ext cx="0" cy="0"/>
+          <a:chOff x="0" y="0"/>
+          <a:chExt cx="0" cy="0"/>
+        </a:xfrm>
+      </p:grpSpPr>
+      <p:sp>
+        <p:nvSpPr>
+          <p:cNvPr id="4" name="Title 1"/>
+          <p:cNvSpPr>
+            <a:spLocks noGrp="1"/>
+          </p:cNvSpPr>
+          <p:nvPr>
+            <p:ph type="title"/>
+          </p:nvPr>
+        </p:nvSpPr>
+        <p:spPr>
+          <a:xfrm>
+            <a:off x="574431" y="324400"/>
+            <a:ext cx="7886700" cy="611249"/>
+          </a:xfrm>
+        </p:spPr>
+        <p:txBody>
+          <a:bodyPr>
+            <a:noAutofit/>
+          </a:bodyPr>
+          <a:lstStyle/>
+          <a:p>
+            <a:pPr algn="ctr"/>
+            <a:r>
+              <a:rPr lang="en-US" dirty="0" smtClean="0">
+                <a:latin typeface="+mn-lt"/>
+              </a:rPr>
+              <a:t>Time per Activity Type v2</a:t>
+            </a:r>
+            <a:endParaRPr lang="en-US" dirty="0">
+              <a:latin typeface="+mn-lt"/>
+            </a:endParaRPr>
+          </a:p>
+        </p:txBody>
+      </p:sp>
+      <p:pic>
+        <p:nvPicPr>
+          <p:cNvPr id="5" name="Content Placeholder 4"/>
+          <p:cNvPicPr>
+            <a:picLocks noGrp="1" noChangeAspect="1"/>
+          </p:cNvPicPr>
+          <p:nvPr>
+            <p:ph idx="1"/>
+          </p:nvPr>
+        </p:nvPicPr>
+        <p:blipFill>
+          <a:blip r:embed="rId2">
+            <a:extLst>
+              <a:ext uri="{28A0092B-C50C-407E-A947-70E740481C1C}">
+                <a14:useLocalDpi xmlns:a14="http://schemas.microsoft.com/office/drawing/2010/main" val="0"/>
+              </a:ext>
+            </a:extLst>
+          </a:blip>
+          <a:stretch>
+            <a:fillRect/>
+          </a:stretch>
+        </p:blipFill>
+        <p:spPr>
+          <a:xfrm>
+            <a:off x="61179" y="1328525"/>
+            <a:ext cx="8913203" cy="4980597"/>
+          </a:xfrm>
+        </p:spPr>
+      </p:pic>
+      <p:sp>
+        <p:nvSpPr>
+          <p:cNvPr id="6" name="Rectangle 5"/>
+          <p:cNvSpPr/>
+          <p:nvPr/>
+        </p:nvSpPr>
+        <p:spPr>
+          <a:xfrm>
+            <a:off x="1381125" y="1328526"/>
+            <a:ext cx="857250" cy="338350"/>
+          </a:xfrm>
+          <a:prstGeom prst="rect">
+            <a:avLst/>
+          </a:prstGeom>
+          <a:noFill/>
+          <a:ln w="28575">
+            <a:solidFill>
+              <a:srgbClr val="FF0000"/>
+            </a:solidFill>
+          </a:ln>
+        </p:spPr>
+        <p:style>
+          <a:lnRef idx="2">
+            <a:schemeClr val="accent1">
+              <a:shade val="50000"/>
+            </a:schemeClr>
+          </a:lnRef>
+          <a:fillRef idx="1">
+            <a:schemeClr val="accent1"/>
+          </a:fillRef>
+          <a:effectRef idx="0">
+            <a:schemeClr val="accent1"/>
+          </a:effectRef>
+          <a:fontRef idx="minor">
+            <a:schemeClr val="lt1"/>
+          </a:fontRef>
+        </p:style>
+        <p:txBody>
+          <a:bodyPr rtlCol="0" anchor="ctr"/>
+          <a:lstStyle/>
+          <a:p>
+            <a:pPr algn="ctr"/>
+            <a:endParaRPr lang="en-US" sz="2000"/>
+          </a:p>
+        </p:txBody>
+      </p:sp>
+    </p:spTree>
+    <p:extLst>
+      <p:ext uri="{BB962C8B-B14F-4D97-AF65-F5344CB8AC3E}">
+        <p14:creationId xmlns:p14="http://schemas.microsoft.com/office/powerpoint/2010/main" val="381336227"/>
+      </p:ext>
+    </p:extLst>
+  </p:cSld>
+  <p:clrMapOvr>
+    <a:masterClrMapping/>
+  </p:clrMapOvr>
+  <p:timing>
+    <p:tnLst>
+      <p:par>
+        <p:cTn id="1" dur="indefinite" restart="never" nodeType="tmRoot"/>
+      </p:par>
+    </p:tnLst>
+  </p:timing>
+</p:sld>
+</file>
+
+<file path=ppt/slides/slide17.xml><?xml version="1.0" encoding="utf-8"?>
+<p:sld xmlns:a="http://schemas.openxmlformats.org/drawingml/2006/main" xmlns:r="http://schemas.openxmlformats.org/officeDocument/2006/relationships" xmlns:p="http://schemas.openxmlformats.org/presentationml/2006/main">
+  <p:cSld>
+    <p:spTree>
+      <p:nvGrpSpPr>
+        <p:cNvPr id="1" name=""/>
+        <p:cNvGrpSpPr/>
+        <p:nvPr/>
+      </p:nvGrpSpPr>
+      <p:grpSpPr>
+        <a:xfrm>
+          <a:off x="0" y="0"/>
+          <a:ext cx="0" cy="0"/>
+          <a:chOff x="0" y="0"/>
+          <a:chExt cx="0" cy="0"/>
+        </a:xfrm>
+      </p:grpSpPr>
+      <p:sp>
+        <p:nvSpPr>
+          <p:cNvPr id="4" name="Title 1"/>
+          <p:cNvSpPr>
+            <a:spLocks noGrp="1"/>
+          </p:cNvSpPr>
+          <p:nvPr>
+            <p:ph type="title"/>
+          </p:nvPr>
+        </p:nvSpPr>
+        <p:spPr>
+          <a:xfrm>
+            <a:off x="574431" y="324400"/>
+            <a:ext cx="7886700" cy="611249"/>
+          </a:xfrm>
+        </p:spPr>
+        <p:txBody>
+          <a:bodyPr>
+            <a:noAutofit/>
+          </a:bodyPr>
+          <a:lstStyle/>
+          <a:p>
+            <a:pPr algn="ctr"/>
+            <a:r>
+              <a:rPr lang="en-US" dirty="0" smtClean="0">
+                <a:latin typeface="+mn-lt"/>
+              </a:rPr>
+              <a:t>Time per Activity Type v2</a:t>
+            </a:r>
+            <a:endParaRPr lang="en-US" dirty="0">
+              <a:latin typeface="+mn-lt"/>
+            </a:endParaRPr>
+          </a:p>
+        </p:txBody>
+      </p:sp>
+      <p:pic>
+        <p:nvPicPr>
+          <p:cNvPr id="5" name="Content Placeholder 4"/>
+          <p:cNvPicPr>
+            <a:picLocks noGrp="1" noChangeAspect="1"/>
+          </p:cNvPicPr>
+          <p:nvPr>
+            <p:ph idx="1"/>
+          </p:nvPr>
+        </p:nvPicPr>
+        <p:blipFill>
+          <a:blip r:embed="rId2">
+            <a:extLst>
+              <a:ext uri="{28A0092B-C50C-407E-A947-70E740481C1C}">
+                <a14:useLocalDpi xmlns:a14="http://schemas.microsoft.com/office/drawing/2010/main" val="0"/>
+              </a:ext>
+            </a:extLst>
+          </a:blip>
+          <a:stretch>
+            <a:fillRect/>
+          </a:stretch>
+        </p:blipFill>
+        <p:spPr>
+          <a:xfrm>
+            <a:off x="61179" y="1328525"/>
+            <a:ext cx="8913203" cy="4980597"/>
+          </a:xfrm>
+        </p:spPr>
+      </p:pic>
+      <p:sp>
+        <p:nvSpPr>
+          <p:cNvPr id="6" name="Rectangle 5"/>
+          <p:cNvSpPr/>
+          <p:nvPr/>
+        </p:nvSpPr>
+        <p:spPr>
+          <a:xfrm>
+            <a:off x="61179" y="2843000"/>
+            <a:ext cx="857250" cy="1176549"/>
+          </a:xfrm>
+          <a:prstGeom prst="rect">
+            <a:avLst/>
+          </a:prstGeom>
+          <a:noFill/>
+          <a:ln w="28575">
+            <a:solidFill>
+              <a:srgbClr val="FF0000"/>
+            </a:solidFill>
+          </a:ln>
+        </p:spPr>
+        <p:style>
+          <a:lnRef idx="2">
+            <a:schemeClr val="accent1">
+              <a:shade val="50000"/>
+            </a:schemeClr>
+          </a:lnRef>
+          <a:fillRef idx="1">
+            <a:schemeClr val="accent1"/>
+          </a:fillRef>
+          <a:effectRef idx="0">
+            <a:schemeClr val="accent1"/>
+          </a:effectRef>
+          <a:fontRef idx="minor">
+            <a:schemeClr val="lt1"/>
+          </a:fontRef>
+        </p:style>
+        <p:txBody>
+          <a:bodyPr rtlCol="0" anchor="ctr"/>
+          <a:lstStyle/>
+          <a:p>
+            <a:pPr algn="ctr"/>
+            <a:endParaRPr lang="en-US" sz="2000"/>
+          </a:p>
+        </p:txBody>
+      </p:sp>
+    </p:spTree>
+    <p:extLst>
+      <p:ext uri="{BB962C8B-B14F-4D97-AF65-F5344CB8AC3E}">
+        <p14:creationId xmlns:p14="http://schemas.microsoft.com/office/powerpoint/2010/main" val="3787979122"/>
+      </p:ext>
+    </p:extLst>
+  </p:cSld>
+  <p:clrMapOvr>
+    <a:masterClrMapping/>
+  </p:clrMapOvr>
+  <p:timing>
+    <p:tnLst>
+      <p:par>
+        <p:cTn id="1" dur="indefinite" restart="never" nodeType="tmRoot"/>
+      </p:par>
+    </p:tnLst>
+  </p:timing>
+</p:sld>
+</file>
+
+<file path=ppt/slides/slide18.xml><?xml version="1.0" encoding="utf-8"?>
+<p:sld xmlns:a="http://schemas.openxmlformats.org/drawingml/2006/main" xmlns:r="http://schemas.openxmlformats.org/officeDocument/2006/relationships" xmlns:p="http://schemas.openxmlformats.org/presentationml/2006/main">
+  <p:cSld>
+    <p:spTree>
+      <p:nvGrpSpPr>
+        <p:cNvPr id="1" name=""/>
+        <p:cNvGrpSpPr/>
+        <p:nvPr/>
+      </p:nvGrpSpPr>
+      <p:grpSpPr>
+        <a:xfrm>
+          <a:off x="0" y="0"/>
+          <a:ext cx="0" cy="0"/>
+          <a:chOff x="0" y="0"/>
+          <a:chExt cx="0" cy="0"/>
+        </a:xfrm>
+      </p:grpSpPr>
+      <p:sp>
+        <p:nvSpPr>
+          <p:cNvPr id="2" name="Title 1"/>
+          <p:cNvSpPr>
+            <a:spLocks noGrp="1"/>
+          </p:cNvSpPr>
+          <p:nvPr>
+            <p:ph type="title"/>
+          </p:nvPr>
+        </p:nvSpPr>
+        <p:spPr>
+          <a:xfrm>
+            <a:off x="476250" y="381000"/>
+            <a:ext cx="4867275" cy="989868"/>
+          </a:xfrm>
+        </p:spPr>
+        <p:txBody>
+          <a:bodyPr>
+            <a:noAutofit/>
+          </a:bodyPr>
+          <a:lstStyle/>
+          <a:p>
+            <a:r>
+              <a:rPr lang="en-US" sz="4400" dirty="0">
+                <a:latin typeface="+mn-lt"/>
+              </a:rPr>
+              <a:t>Group by Activity </a:t>
+            </a:r>
+          </a:p>
+        </p:txBody>
+      </p:sp>
+      <p:pic>
+        <p:nvPicPr>
+          <p:cNvPr id="8" name="Content Placeholder 7"/>
+          <p:cNvPicPr>
+            <a:picLocks noGrp="1" noChangeAspect="1"/>
+          </p:cNvPicPr>
+          <p:nvPr>
+            <p:ph idx="1"/>
+          </p:nvPr>
+        </p:nvPicPr>
+        <p:blipFill>
+          <a:blip r:embed="rId2">
+            <a:extLst>
+              <a:ext uri="{28A0092B-C50C-407E-A947-70E740481C1C}">
+                <a14:useLocalDpi xmlns:a14="http://schemas.microsoft.com/office/drawing/2010/main" val="0"/>
+              </a:ext>
+            </a:extLst>
+          </a:blip>
+          <a:stretch>
+            <a:fillRect/>
+          </a:stretch>
+        </p:blipFill>
+        <p:spPr>
+          <a:xfrm>
+            <a:off x="4817124" y="988220"/>
+            <a:ext cx="3359722" cy="4671163"/>
+          </a:xfrm>
+        </p:spPr>
+      </p:pic>
+      <p:sp>
+        <p:nvSpPr>
+          <p:cNvPr id="5" name="Text Placeholder 4"/>
+          <p:cNvSpPr>
+            <a:spLocks noGrp="1"/>
+          </p:cNvSpPr>
+          <p:nvPr>
+            <p:ph type="body" sz="half" idx="2"/>
+          </p:nvPr>
+        </p:nvSpPr>
+        <p:spPr>
+          <a:xfrm>
+            <a:off x="629842" y="1818543"/>
+            <a:ext cx="4106282" cy="3440449"/>
+          </a:xfrm>
+        </p:spPr>
+        <p:txBody>
+          <a:bodyPr>
+            <a:normAutofit/>
+          </a:bodyPr>
+          <a:lstStyle/>
+          <a:p>
+            <a:pPr marL="342900" indent="-342900">
+              <a:buFont typeface="Arial" panose="020B0604020202020204" pitchFamily="34" charset="0"/>
+              <a:buChar char="•"/>
+            </a:pPr>
+            <a:r>
+              <a:rPr lang="en-US" sz="2100" dirty="0"/>
+              <a:t>Filtered by most time consuming activities</a:t>
+            </a:r>
+          </a:p>
+          <a:p>
+            <a:pPr marL="342900" indent="-342900">
+              <a:buFont typeface="Arial" panose="020B0604020202020204" pitchFamily="34" charset="0"/>
+              <a:buChar char="•"/>
+            </a:pPr>
+            <a:r>
+              <a:rPr lang="en-US" sz="2100" dirty="0"/>
+              <a:t>Calculated difference from activity S (sleep)</a:t>
+            </a:r>
+          </a:p>
+          <a:p>
+            <a:pPr marL="342900" indent="-342900">
+              <a:buFont typeface="Arial" panose="020B0604020202020204" pitchFamily="34" charset="0"/>
+              <a:buChar char="•"/>
+            </a:pPr>
+            <a:r>
+              <a:rPr lang="en-US" sz="2100" dirty="0"/>
+              <a:t>ZN(AVG([</a:t>
+            </a:r>
+            <a:r>
+              <a:rPr lang="en-US" sz="2100" dirty="0" err="1"/>
+              <a:t>ActivityTime</a:t>
+            </a:r>
+            <a:r>
+              <a:rPr lang="en-US" sz="2100" dirty="0"/>
+              <a:t> (copy)])) - LOOKUP(ZN(AVG([</a:t>
+            </a:r>
+            <a:r>
+              <a:rPr lang="en-US" sz="2100" dirty="0" err="1"/>
+              <a:t>ActivityTime</a:t>
+            </a:r>
+            <a:r>
+              <a:rPr lang="en-US" sz="2100" dirty="0"/>
+              <a:t> (copy)])), -1)</a:t>
+            </a:r>
+          </a:p>
+          <a:p>
+            <a:pPr marL="342900" indent="-342900">
+              <a:buFont typeface="Arial" panose="020B0604020202020204" pitchFamily="34" charset="0"/>
+              <a:buChar char="•"/>
+            </a:pPr>
+            <a:r>
+              <a:rPr lang="en-US" sz="2100" dirty="0"/>
+              <a:t>Purpose was to group</a:t>
+            </a:r>
+          </a:p>
+        </p:txBody>
+      </p:sp>
+    </p:spTree>
+    <p:extLst>
+      <p:ext uri="{BB962C8B-B14F-4D97-AF65-F5344CB8AC3E}">
+        <p14:creationId xmlns:p14="http://schemas.microsoft.com/office/powerpoint/2010/main" val="2392850640"/>
+      </p:ext>
+    </p:extLst>
+  </p:cSld>
+  <p:clrMapOvr>
+    <a:masterClrMapping/>
+  </p:clrMapOvr>
+  <p:timing>
+    <p:tnLst>
+      <p:par>
+        <p:cTn id="1" dur="indefinite" restart="never" nodeType="tmRoot"/>
+      </p:par>
+    </p:tnLst>
+  </p:timing>
+</p:sld>
+</file>
+
+<file path=ppt/slides/slide19.xml><?xml version="1.0" encoding="utf-8"?>
+<p:sld xmlns:a="http://schemas.openxmlformats.org/drawingml/2006/main" xmlns:r="http://schemas.openxmlformats.org/officeDocument/2006/relationships" xmlns:p="http://schemas.openxmlformats.org/presentationml/2006/main">
+  <p:cSld>
+    <p:spTree>
+      <p:nvGrpSpPr>
+        <p:cNvPr id="1" name=""/>
+        <p:cNvGrpSpPr/>
+        <p:nvPr/>
+      </p:nvGrpSpPr>
+      <p:grpSpPr>
+        <a:xfrm>
+          <a:off x="0" y="0"/>
+          <a:ext cx="0" cy="0"/>
+          <a:chOff x="0" y="0"/>
+          <a:chExt cx="0" cy="0"/>
+        </a:xfrm>
+      </p:grpSpPr>
+      <p:sp>
+        <p:nvSpPr>
+          <p:cNvPr id="8" name="Title 7"/>
+          <p:cNvSpPr>
+            <a:spLocks noGrp="1"/>
+          </p:cNvSpPr>
+          <p:nvPr>
+            <p:ph type="title"/>
+          </p:nvPr>
+        </p:nvSpPr>
+        <p:spPr>
+          <a:xfrm>
+            <a:off x="628650" y="365126"/>
+            <a:ext cx="7886700" cy="673099"/>
+          </a:xfrm>
+        </p:spPr>
+        <p:txBody>
+          <a:bodyPr>
+            <a:noAutofit/>
+          </a:bodyPr>
+          <a:lstStyle/>
+          <a:p>
+            <a:pPr algn="ctr"/>
+            <a:r>
+              <a:rPr lang="en-US" dirty="0">
+                <a:latin typeface="+mn-lt"/>
+              </a:rPr>
+              <a:t>Group Analysis</a:t>
+            </a:r>
+          </a:p>
+        </p:txBody>
+      </p:sp>
+      <p:pic>
+        <p:nvPicPr>
+          <p:cNvPr id="13" name="Content Placeholder 12"/>
+          <p:cNvPicPr>
+            <a:picLocks noGrp="1" noChangeAspect="1"/>
+          </p:cNvPicPr>
+          <p:nvPr>
+            <p:ph idx="1"/>
+          </p:nvPr>
+        </p:nvPicPr>
+        <p:blipFill>
+          <a:blip r:embed="rId2">
+            <a:extLst>
+              <a:ext uri="{28A0092B-C50C-407E-A947-70E740481C1C}">
+                <a14:useLocalDpi xmlns:a14="http://schemas.microsoft.com/office/drawing/2010/main" val="0"/>
+              </a:ext>
+            </a:extLst>
+          </a:blip>
+          <a:stretch>
+            <a:fillRect/>
+          </a:stretch>
+        </p:blipFill>
+        <p:spPr>
+          <a:xfrm>
+            <a:off x="1800224" y="1038225"/>
+            <a:ext cx="5915025" cy="5528881"/>
+          </a:xfrm>
+        </p:spPr>
+      </p:pic>
+      <p:sp>
+        <p:nvSpPr>
+          <p:cNvPr id="15" name="Rectangle 14"/>
+          <p:cNvSpPr/>
+          <p:nvPr/>
+        </p:nvSpPr>
+        <p:spPr>
+          <a:xfrm>
+            <a:off x="3305175" y="1038225"/>
+            <a:ext cx="4410074" cy="361950"/>
+          </a:xfrm>
+          <a:prstGeom prst="rect">
+            <a:avLst/>
+          </a:prstGeom>
+          <a:noFill/>
+          <a:ln w="28575">
+            <a:solidFill>
+              <a:srgbClr val="FF0000"/>
+            </a:solidFill>
+          </a:ln>
+        </p:spPr>
+        <p:style>
+          <a:lnRef idx="2">
+            <a:schemeClr val="accent1">
+              <a:shade val="50000"/>
+            </a:schemeClr>
+          </a:lnRef>
+          <a:fillRef idx="1">
+            <a:schemeClr val="accent1"/>
+          </a:fillRef>
+          <a:effectRef idx="0">
+            <a:schemeClr val="accent1"/>
+          </a:effectRef>
+          <a:fontRef idx="minor">
+            <a:schemeClr val="lt1"/>
+          </a:fontRef>
+        </p:style>
+        <p:txBody>
+          <a:bodyPr rtlCol="0" anchor="ctr"/>
+          <a:lstStyle/>
+          <a:p>
+            <a:pPr algn="ctr"/>
+            <a:endParaRPr lang="en-US" sz="2000"/>
+          </a:p>
+        </p:txBody>
+      </p:sp>
+    </p:spTree>
+    <p:extLst>
+      <p:ext uri="{BB962C8B-B14F-4D97-AF65-F5344CB8AC3E}">
+        <p14:creationId xmlns:p14="http://schemas.microsoft.com/office/powerpoint/2010/main" val="2135184533"/>
+      </p:ext>
+    </p:extLst>
+  </p:cSld>
+  <p:clrMapOvr>
+    <a:masterClrMapping/>
+  </p:clrMapOvr>
+  <p:timing>
+    <p:tnLst>
+      <p:par>
+        <p:cTn id="1" dur="indefinite" restart="never" nodeType="tmRoot"/>
+      </p:par>
+    </p:tnLst>
+  </p:timing>
+</p:sld>
+</file>
+
 <file path=ppt/slides/slide2.xml><?xml version="1.0" encoding="utf-8"?>
 <p:sld xmlns:a="http://schemas.openxmlformats.org/drawingml/2006/main" xmlns:r="http://schemas.openxmlformats.org/officeDocument/2006/relationships" xmlns:p="http://schemas.openxmlformats.org/presentationml/2006/main">
   <p:cSld>
@@ -3084,18 +4568,20 @@
             <p:ph type="title"/>
           </p:nvPr>
         </p:nvSpPr>
-        <p:spPr/>
+        <p:spPr>
+          <a:xfrm>
+            <a:off x="628650" y="365127"/>
+            <a:ext cx="7886700" cy="854074"/>
+          </a:xfrm>
+        </p:spPr>
         <p:txBody>
           <a:bodyPr/>
           <a:lstStyle/>
           <a:p>
+            <a:pPr algn="ctr"/>
             <a:r>
               <a:rPr lang="en-US" dirty="0" smtClean="0"/>
-              <a:t>The </a:t>
-            </a:r>
-            <a:r>
-              <a:rPr lang="en-US" dirty="0" smtClean="0"/>
-              <a:t>Data - Description</a:t>
+              <a:t>The Data - Description</a:t>
             </a:r>
             <a:endParaRPr lang="en-US" dirty="0"/>
           </a:p>
@@ -3111,7 +4597,12 @@
             <p:ph idx="1"/>
           </p:nvPr>
         </p:nvSpPr>
-        <p:spPr/>
+        <p:spPr>
+          <a:xfrm>
+            <a:off x="628650" y="1466850"/>
+            <a:ext cx="7886700" cy="4710113"/>
+          </a:xfrm>
+        </p:spPr>
         <p:txBody>
           <a:bodyPr/>
           <a:lstStyle/>
@@ -3170,6 +4661,522 @@
     <p:extLst>
       <p:ext uri="{BB962C8B-B14F-4D97-AF65-F5344CB8AC3E}">
         <p14:creationId xmlns:p14="http://schemas.microsoft.com/office/powerpoint/2010/main" val="4287123465"/>
+      </p:ext>
+    </p:extLst>
+  </p:cSld>
+  <p:clrMapOvr>
+    <a:masterClrMapping/>
+  </p:clrMapOvr>
+  <p:timing>
+    <p:tnLst>
+      <p:par>
+        <p:cTn id="1" dur="indefinite" restart="never" nodeType="tmRoot"/>
+      </p:par>
+    </p:tnLst>
+  </p:timing>
+</p:sld>
+</file>
+
+<file path=ppt/slides/slide20.xml><?xml version="1.0" encoding="utf-8"?>
+<p:sld xmlns:a="http://schemas.openxmlformats.org/drawingml/2006/main" xmlns:r="http://schemas.openxmlformats.org/officeDocument/2006/relationships" xmlns:p="http://schemas.openxmlformats.org/presentationml/2006/main">
+  <p:cSld>
+    <p:spTree>
+      <p:nvGrpSpPr>
+        <p:cNvPr id="1" name=""/>
+        <p:cNvGrpSpPr/>
+        <p:nvPr/>
+      </p:nvGrpSpPr>
+      <p:grpSpPr>
+        <a:xfrm>
+          <a:off x="0" y="0"/>
+          <a:ext cx="0" cy="0"/>
+          <a:chOff x="0" y="0"/>
+          <a:chExt cx="0" cy="0"/>
+        </a:xfrm>
+      </p:grpSpPr>
+      <p:sp>
+        <p:nvSpPr>
+          <p:cNvPr id="8" name="Title 7"/>
+          <p:cNvSpPr>
+            <a:spLocks noGrp="1"/>
+          </p:cNvSpPr>
+          <p:nvPr>
+            <p:ph type="title"/>
+          </p:nvPr>
+        </p:nvSpPr>
+        <p:spPr>
+          <a:xfrm>
+            <a:off x="628650" y="365126"/>
+            <a:ext cx="7886700" cy="673099"/>
+          </a:xfrm>
+        </p:spPr>
+        <p:txBody>
+          <a:bodyPr>
+            <a:noAutofit/>
+          </a:bodyPr>
+          <a:lstStyle/>
+          <a:p>
+            <a:pPr algn="ctr"/>
+            <a:r>
+              <a:rPr lang="en-US" dirty="0">
+                <a:latin typeface="+mn-lt"/>
+              </a:rPr>
+              <a:t>Group Analysis</a:t>
+            </a:r>
+          </a:p>
+        </p:txBody>
+      </p:sp>
+      <p:pic>
+        <p:nvPicPr>
+          <p:cNvPr id="13" name="Content Placeholder 12"/>
+          <p:cNvPicPr>
+            <a:picLocks noGrp="1" noChangeAspect="1"/>
+          </p:cNvPicPr>
+          <p:nvPr>
+            <p:ph idx="1"/>
+          </p:nvPr>
+        </p:nvPicPr>
+        <p:blipFill>
+          <a:blip r:embed="rId2">
+            <a:extLst>
+              <a:ext uri="{28A0092B-C50C-407E-A947-70E740481C1C}">
+                <a14:useLocalDpi xmlns:a14="http://schemas.microsoft.com/office/drawing/2010/main" val="0"/>
+              </a:ext>
+            </a:extLst>
+          </a:blip>
+          <a:stretch>
+            <a:fillRect/>
+          </a:stretch>
+        </p:blipFill>
+        <p:spPr>
+          <a:xfrm>
+            <a:off x="1800224" y="1038225"/>
+            <a:ext cx="5915025" cy="5528881"/>
+          </a:xfrm>
+        </p:spPr>
+      </p:pic>
+      <p:sp>
+        <p:nvSpPr>
+          <p:cNvPr id="15" name="Rectangle 14"/>
+          <p:cNvSpPr/>
+          <p:nvPr/>
+        </p:nvSpPr>
+        <p:spPr>
+          <a:xfrm>
+            <a:off x="6791325" y="1457324"/>
+            <a:ext cx="923924" cy="523875"/>
+          </a:xfrm>
+          <a:prstGeom prst="rect">
+            <a:avLst/>
+          </a:prstGeom>
+          <a:noFill/>
+          <a:ln w="28575">
+            <a:solidFill>
+              <a:srgbClr val="FF0000"/>
+            </a:solidFill>
+          </a:ln>
+        </p:spPr>
+        <p:style>
+          <a:lnRef idx="2">
+            <a:schemeClr val="accent1">
+              <a:shade val="50000"/>
+            </a:schemeClr>
+          </a:lnRef>
+          <a:fillRef idx="1">
+            <a:schemeClr val="accent1"/>
+          </a:fillRef>
+          <a:effectRef idx="0">
+            <a:schemeClr val="accent1"/>
+          </a:effectRef>
+          <a:fontRef idx="minor">
+            <a:schemeClr val="lt1"/>
+          </a:fontRef>
+        </p:style>
+        <p:txBody>
+          <a:bodyPr rtlCol="0" anchor="ctr"/>
+          <a:lstStyle/>
+          <a:p>
+            <a:pPr algn="ctr"/>
+            <a:endParaRPr lang="en-US" sz="2000"/>
+          </a:p>
+        </p:txBody>
+      </p:sp>
+      <p:sp>
+        <p:nvSpPr>
+          <p:cNvPr id="5" name="Rectangle 4"/>
+          <p:cNvSpPr/>
+          <p:nvPr/>
+        </p:nvSpPr>
+        <p:spPr>
+          <a:xfrm>
+            <a:off x="1800224" y="1533525"/>
+            <a:ext cx="876301" cy="104776"/>
+          </a:xfrm>
+          <a:prstGeom prst="rect">
+            <a:avLst/>
+          </a:prstGeom>
+          <a:noFill/>
+          <a:ln w="28575">
+            <a:solidFill>
+              <a:srgbClr val="FF0000"/>
+            </a:solidFill>
+          </a:ln>
+        </p:spPr>
+        <p:style>
+          <a:lnRef idx="2">
+            <a:schemeClr val="accent1">
+              <a:shade val="50000"/>
+            </a:schemeClr>
+          </a:lnRef>
+          <a:fillRef idx="1">
+            <a:schemeClr val="accent1"/>
+          </a:fillRef>
+          <a:effectRef idx="0">
+            <a:schemeClr val="accent1"/>
+          </a:effectRef>
+          <a:fontRef idx="minor">
+            <a:schemeClr val="lt1"/>
+          </a:fontRef>
+        </p:style>
+        <p:txBody>
+          <a:bodyPr rtlCol="0" anchor="ctr"/>
+          <a:lstStyle/>
+          <a:p>
+            <a:pPr algn="ctr"/>
+            <a:endParaRPr lang="en-US" sz="2000"/>
+          </a:p>
+        </p:txBody>
+      </p:sp>
+    </p:spTree>
+    <p:extLst>
+      <p:ext uri="{BB962C8B-B14F-4D97-AF65-F5344CB8AC3E}">
+        <p14:creationId xmlns:p14="http://schemas.microsoft.com/office/powerpoint/2010/main" val="1863917255"/>
+      </p:ext>
+    </p:extLst>
+  </p:cSld>
+  <p:clrMapOvr>
+    <a:masterClrMapping/>
+  </p:clrMapOvr>
+  <p:timing>
+    <p:tnLst>
+      <p:par>
+        <p:cTn id="1" dur="indefinite" restart="never" nodeType="tmRoot"/>
+      </p:par>
+    </p:tnLst>
+  </p:timing>
+</p:sld>
+</file>
+
+<file path=ppt/slides/slide21.xml><?xml version="1.0" encoding="utf-8"?>
+<p:sld xmlns:a="http://schemas.openxmlformats.org/drawingml/2006/main" xmlns:r="http://schemas.openxmlformats.org/officeDocument/2006/relationships" xmlns:p="http://schemas.openxmlformats.org/presentationml/2006/main">
+  <p:cSld>
+    <p:spTree>
+      <p:nvGrpSpPr>
+        <p:cNvPr id="1" name=""/>
+        <p:cNvGrpSpPr/>
+        <p:nvPr/>
+      </p:nvGrpSpPr>
+      <p:grpSpPr>
+        <a:xfrm>
+          <a:off x="0" y="0"/>
+          <a:ext cx="0" cy="0"/>
+          <a:chOff x="0" y="0"/>
+          <a:chExt cx="0" cy="0"/>
+        </a:xfrm>
+      </p:grpSpPr>
+      <p:sp>
+        <p:nvSpPr>
+          <p:cNvPr id="8" name="Title 7"/>
+          <p:cNvSpPr>
+            <a:spLocks noGrp="1"/>
+          </p:cNvSpPr>
+          <p:nvPr>
+            <p:ph type="title"/>
+          </p:nvPr>
+        </p:nvSpPr>
+        <p:spPr>
+          <a:xfrm>
+            <a:off x="628650" y="365126"/>
+            <a:ext cx="7886700" cy="673099"/>
+          </a:xfrm>
+        </p:spPr>
+        <p:txBody>
+          <a:bodyPr>
+            <a:noAutofit/>
+          </a:bodyPr>
+          <a:lstStyle/>
+          <a:p>
+            <a:pPr algn="ctr"/>
+            <a:r>
+              <a:rPr lang="en-US" dirty="0">
+                <a:latin typeface="+mn-lt"/>
+              </a:rPr>
+              <a:t>Group Analysis</a:t>
+            </a:r>
+          </a:p>
+        </p:txBody>
+      </p:sp>
+      <p:pic>
+        <p:nvPicPr>
+          <p:cNvPr id="13" name="Content Placeholder 12"/>
+          <p:cNvPicPr>
+            <a:picLocks noGrp="1" noChangeAspect="1"/>
+          </p:cNvPicPr>
+          <p:nvPr>
+            <p:ph idx="1"/>
+          </p:nvPr>
+        </p:nvPicPr>
+        <p:blipFill>
+          <a:blip r:embed="rId2">
+            <a:extLst>
+              <a:ext uri="{28A0092B-C50C-407E-A947-70E740481C1C}">
+                <a14:useLocalDpi xmlns:a14="http://schemas.microsoft.com/office/drawing/2010/main" val="0"/>
+              </a:ext>
+            </a:extLst>
+          </a:blip>
+          <a:stretch>
+            <a:fillRect/>
+          </a:stretch>
+        </p:blipFill>
+        <p:spPr>
+          <a:xfrm>
+            <a:off x="1800224" y="1038225"/>
+            <a:ext cx="5915025" cy="5528881"/>
+          </a:xfrm>
+        </p:spPr>
+      </p:pic>
+    </p:spTree>
+    <p:extLst>
+      <p:ext uri="{BB962C8B-B14F-4D97-AF65-F5344CB8AC3E}">
+        <p14:creationId xmlns:p14="http://schemas.microsoft.com/office/powerpoint/2010/main" val="3332123610"/>
+      </p:ext>
+    </p:extLst>
+  </p:cSld>
+  <p:clrMapOvr>
+    <a:masterClrMapping/>
+  </p:clrMapOvr>
+  <p:timing>
+    <p:tnLst>
+      <p:par>
+        <p:cTn id="1" dur="indefinite" restart="never" nodeType="tmRoot"/>
+      </p:par>
+    </p:tnLst>
+  </p:timing>
+</p:sld>
+</file>
+
+<file path=ppt/slides/slide22.xml><?xml version="1.0" encoding="utf-8"?>
+<p:sld xmlns:a="http://schemas.openxmlformats.org/drawingml/2006/main" xmlns:r="http://schemas.openxmlformats.org/officeDocument/2006/relationships" xmlns:p="http://schemas.openxmlformats.org/presentationml/2006/main">
+  <p:cSld>
+    <p:spTree>
+      <p:nvGrpSpPr>
+        <p:cNvPr id="1" name=""/>
+        <p:cNvGrpSpPr/>
+        <p:nvPr/>
+      </p:nvGrpSpPr>
+      <p:grpSpPr>
+        <a:xfrm>
+          <a:off x="0" y="0"/>
+          <a:ext cx="0" cy="0"/>
+          <a:chOff x="0" y="0"/>
+          <a:chExt cx="0" cy="0"/>
+        </a:xfrm>
+      </p:grpSpPr>
+      <p:sp>
+        <p:nvSpPr>
+          <p:cNvPr id="6" name="Title 5"/>
+          <p:cNvSpPr>
+            <a:spLocks noGrp="1"/>
+          </p:cNvSpPr>
+          <p:nvPr>
+            <p:ph type="title"/>
+          </p:nvPr>
+        </p:nvSpPr>
+        <p:spPr>
+          <a:xfrm>
+            <a:off x="629841" y="401315"/>
+            <a:ext cx="7887097" cy="653361"/>
+          </a:xfrm>
+        </p:spPr>
+        <p:txBody>
+          <a:bodyPr>
+            <a:noAutofit/>
+          </a:bodyPr>
+          <a:lstStyle/>
+          <a:p>
+            <a:pPr algn="ctr"/>
+            <a:r>
+              <a:rPr lang="en-US" sz="4400" dirty="0">
+                <a:latin typeface="+mn-lt"/>
+              </a:rPr>
+              <a:t>Job and Age Status</a:t>
+            </a:r>
+            <a:endParaRPr lang="en-US" sz="4400" dirty="0">
+              <a:latin typeface="+mn-lt"/>
+            </a:endParaRPr>
+          </a:p>
+        </p:txBody>
+      </p:sp>
+      <p:pic>
+        <p:nvPicPr>
+          <p:cNvPr id="5" name="Content Placeholder 4"/>
+          <p:cNvPicPr>
+            <a:picLocks noGrp="1" noChangeAspect="1"/>
+          </p:cNvPicPr>
+          <p:nvPr>
+            <p:ph idx="1"/>
+          </p:nvPr>
+        </p:nvPicPr>
+        <p:blipFill>
+          <a:blip r:embed="rId2" cstate="print">
+            <a:extLst>
+              <a:ext uri="{28A0092B-C50C-407E-A947-70E740481C1C}">
+                <a14:useLocalDpi xmlns:a14="http://schemas.microsoft.com/office/drawing/2010/main" val="0"/>
+              </a:ext>
+            </a:extLst>
+          </a:blip>
+          <a:stretch>
+            <a:fillRect/>
+          </a:stretch>
+        </p:blipFill>
+        <p:spPr>
+          <a:xfrm>
+            <a:off x="3887788" y="1635702"/>
+            <a:ext cx="4629150" cy="3577070"/>
+          </a:xfrm>
+        </p:spPr>
+      </p:pic>
+      <p:sp>
+        <p:nvSpPr>
+          <p:cNvPr id="7" name="Text Placeholder 6"/>
+          <p:cNvSpPr>
+            <a:spLocks noGrp="1"/>
+          </p:cNvSpPr>
+          <p:nvPr>
+            <p:ph type="body" sz="half" idx="2"/>
+          </p:nvPr>
+        </p:nvSpPr>
+        <p:spPr>
+          <a:xfrm>
+            <a:off x="629841" y="1918189"/>
+            <a:ext cx="2949178" cy="3340802"/>
+          </a:xfrm>
+        </p:spPr>
+        <p:txBody>
+          <a:bodyPr>
+            <a:normAutofit/>
+          </a:bodyPr>
+          <a:lstStyle/>
+          <a:p>
+            <a:pPr marL="214313" indent="-214313">
+              <a:buFont typeface="Arial" panose="020B0604020202020204" pitchFamily="34" charset="0"/>
+              <a:buChar char="•"/>
+            </a:pPr>
+            <a:r>
+              <a:rPr lang="en-US" sz="2100" dirty="0"/>
+              <a:t>Jobs titles as dimensions</a:t>
+            </a:r>
+          </a:p>
+          <a:p>
+            <a:pPr marL="214313" indent="-214313">
+              <a:buFont typeface="Arial" panose="020B0604020202020204" pitchFamily="34" charset="0"/>
+              <a:buChar char="•"/>
+            </a:pPr>
+            <a:r>
+              <a:rPr lang="en-US" sz="2100" dirty="0"/>
+              <a:t>Separate worksheets</a:t>
+            </a:r>
+          </a:p>
+          <a:p>
+            <a:pPr marL="214313" indent="-214313">
+              <a:buFont typeface="Arial" panose="020B0604020202020204" pitchFamily="34" charset="0"/>
+              <a:buChar char="•"/>
+            </a:pPr>
+            <a:r>
+              <a:rPr lang="en-US" sz="2100" dirty="0"/>
+              <a:t>Utilized dashboard</a:t>
+            </a:r>
+          </a:p>
+          <a:p>
+            <a:pPr marL="214313" indent="-214313">
+              <a:buFont typeface="Arial" panose="020B0604020202020204" pitchFamily="34" charset="0"/>
+              <a:buChar char="•"/>
+            </a:pPr>
+            <a:endParaRPr lang="en-US" sz="2100" dirty="0"/>
+          </a:p>
+        </p:txBody>
+      </p:sp>
+    </p:spTree>
+    <p:extLst>
+      <p:ext uri="{BB962C8B-B14F-4D97-AF65-F5344CB8AC3E}">
+        <p14:creationId xmlns:p14="http://schemas.microsoft.com/office/powerpoint/2010/main" val="1201230397"/>
+      </p:ext>
+    </p:extLst>
+  </p:cSld>
+  <p:clrMapOvr>
+    <a:masterClrMapping/>
+  </p:clrMapOvr>
+  <p:timing>
+    <p:tnLst>
+      <p:par>
+        <p:cTn id="1" dur="indefinite" restart="never" nodeType="tmRoot"/>
+      </p:par>
+    </p:tnLst>
+  </p:timing>
+</p:sld>
+</file>
+
+<file path=ppt/slides/slide23.xml><?xml version="1.0" encoding="utf-8"?>
+<p:sld xmlns:a="http://schemas.openxmlformats.org/drawingml/2006/main" xmlns:r="http://schemas.openxmlformats.org/officeDocument/2006/relationships" xmlns:p="http://schemas.openxmlformats.org/presentationml/2006/main">
+  <p:cSld>
+    <p:spTree>
+      <p:nvGrpSpPr>
+        <p:cNvPr id="1" name=""/>
+        <p:cNvGrpSpPr/>
+        <p:nvPr/>
+      </p:nvGrpSpPr>
+      <p:grpSpPr>
+        <a:xfrm>
+          <a:off x="0" y="0"/>
+          <a:ext cx="0" cy="0"/>
+          <a:chOff x="0" y="0"/>
+          <a:chExt cx="0" cy="0"/>
+        </a:xfrm>
+      </p:grpSpPr>
+      <p:pic>
+        <p:nvPicPr>
+          <p:cNvPr id="2" name="Picture 1"/>
+          <p:cNvPicPr>
+            <a:picLocks noChangeAspect="1"/>
+          </p:cNvPicPr>
+          <p:nvPr/>
+        </p:nvPicPr>
+        <p:blipFill>
+          <a:blip r:embed="rId2" cstate="print">
+            <a:extLst>
+              <a:ext uri="{28A0092B-C50C-407E-A947-70E740481C1C}">
+                <a14:useLocalDpi xmlns:a14="http://schemas.microsoft.com/office/drawing/2010/main" val="0"/>
+              </a:ext>
+            </a:extLst>
+          </a:blip>
+          <a:stretch>
+            <a:fillRect/>
+          </a:stretch>
+        </p:blipFill>
+        <p:spPr>
+          <a:xfrm>
+            <a:off x="1037506" y="584143"/>
+            <a:ext cx="7380234" cy="5702908"/>
+          </a:xfrm>
+          <a:prstGeom prst="rect">
+            <a:avLst/>
+          </a:prstGeom>
+        </p:spPr>
+      </p:pic>
+    </p:spTree>
+    <p:extLst>
+      <p:ext uri="{BB962C8B-B14F-4D97-AF65-F5344CB8AC3E}">
+        <p14:creationId xmlns:p14="http://schemas.microsoft.com/office/powerpoint/2010/main" val="3455524681"/>
       </p:ext>
     </p:extLst>
   </p:cSld>
@@ -3215,8 +5222,8 @@
         </p:nvSpPr>
         <p:spPr>
           <a:xfrm>
-            <a:off x="839788" y="457200"/>
-            <a:ext cx="5819957" cy="610949"/>
+            <a:off x="514350" y="371474"/>
+            <a:ext cx="8162925" cy="683019"/>
           </a:xfrm>
         </p:spPr>
         <p:txBody>
@@ -3225,59 +5232,12 @@
           </a:bodyPr>
           <a:lstStyle/>
           <a:p>
-            <a:r>
-              <a:rPr lang="en-US" sz="4400" dirty="0" smtClean="0"/>
-              <a:t>The Data </a:t>
-            </a:r>
-            <a:r>
-              <a:rPr lang="en-US" sz="4400" dirty="0" smtClean="0"/>
-              <a:t>- Processing</a:t>
+            <a:pPr algn="ctr"/>
+            <a:r>
+              <a:rPr lang="en-US" sz="4400" dirty="0"/>
+              <a:t>The Data - Processing</a:t>
             </a:r>
             <a:endParaRPr lang="en-US" sz="4400" dirty="0"/>
-          </a:p>
-        </p:txBody>
-      </p:sp>
-      <p:sp>
-        <p:nvSpPr>
-          <p:cNvPr id="3" name="Content Placeholder 2"/>
-          <p:cNvSpPr>
-            <a:spLocks noGrp="1"/>
-          </p:cNvSpPr>
-          <p:nvPr>
-            <p:ph type="body" sz="half" idx="2"/>
-          </p:nvPr>
-        </p:nvSpPr>
-        <p:spPr>
-          <a:xfrm>
-            <a:off x="839788" y="1383738"/>
-            <a:ext cx="2032885" cy="4485250"/>
-          </a:xfrm>
-        </p:spPr>
-        <p:txBody>
-          <a:bodyPr/>
-          <a:lstStyle/>
-          <a:p>
-            <a:pPr marL="285750" indent="-285750">
-              <a:buFont typeface="Arial" panose="020B0604020202020204" pitchFamily="34" charset="0"/>
-              <a:buChar char="•"/>
-            </a:pPr>
-            <a:r>
-              <a:rPr lang="en-US" sz="2800" dirty="0" smtClean="0"/>
-              <a:t>Separate</a:t>
-            </a:r>
-          </a:p>
-          <a:p>
-            <a:pPr marL="285750" indent="-285750">
-              <a:buFont typeface="Arial" panose="020B0604020202020204" pitchFamily="34" charset="0"/>
-              <a:buChar char="•"/>
-            </a:pPr>
-            <a:r>
-              <a:rPr lang="en-US" sz="2800" dirty="0" smtClean="0"/>
-              <a:t>Reformat</a:t>
-            </a:r>
-          </a:p>
-          <a:p>
-            <a:endParaRPr lang="en-US" dirty="0" smtClean="0"/>
           </a:p>
         </p:txBody>
       </p:sp>
@@ -3304,11 +5264,55 @@
         </p:blipFill>
         <p:spPr>
           <a:xfrm>
-            <a:off x="3867993" y="262991"/>
-            <a:ext cx="7940549" cy="6595009"/>
+            <a:off x="2154505" y="816369"/>
+            <a:ext cx="6701902" cy="5566253"/>
           </a:xfrm>
         </p:spPr>
       </p:pic>
+      <p:sp>
+        <p:nvSpPr>
+          <p:cNvPr id="3" name="Content Placeholder 2"/>
+          <p:cNvSpPr>
+            <a:spLocks noGrp="1"/>
+          </p:cNvSpPr>
+          <p:nvPr>
+            <p:ph type="body" sz="half" idx="2"/>
+          </p:nvPr>
+        </p:nvSpPr>
+        <p:spPr>
+          <a:xfrm>
+            <a:off x="629841" y="1895053"/>
+            <a:ext cx="1524664" cy="3363938"/>
+          </a:xfrm>
+        </p:spPr>
+        <p:txBody>
+          <a:bodyPr/>
+          <a:lstStyle/>
+          <a:p>
+            <a:pPr marL="214313" indent="-214313">
+              <a:buFont typeface="Arial" panose="020B0604020202020204" pitchFamily="34" charset="0"/>
+              <a:buChar char="•"/>
+            </a:pPr>
+            <a:r>
+              <a:rPr lang="en-US" sz="2100" dirty="0"/>
+              <a:t>Separate</a:t>
+            </a:r>
+          </a:p>
+          <a:p>
+            <a:pPr marL="214313" indent="-214313">
+              <a:buFont typeface="Arial" panose="020B0604020202020204" pitchFamily="34" charset="0"/>
+              <a:buChar char="•"/>
+            </a:pPr>
+            <a:r>
+              <a:rPr lang="en-US" sz="2100" dirty="0"/>
+              <a:t>Reformat</a:t>
+            </a:r>
+          </a:p>
+          <a:p>
+            <a:endParaRPr lang="en-US" dirty="0" smtClean="0"/>
+          </a:p>
+        </p:txBody>
+      </p:sp>
     </p:spTree>
     <p:extLst>
       <p:ext uri="{BB962C8B-B14F-4D97-AF65-F5344CB8AC3E}">
@@ -3358,8 +5362,8 @@
         </p:nvSpPr>
         <p:spPr>
           <a:xfrm>
-            <a:off x="839787" y="457200"/>
-            <a:ext cx="7640665" cy="910354"/>
+            <a:off x="2147980" y="373672"/>
+            <a:ext cx="5636143" cy="693127"/>
           </a:xfrm>
         </p:spPr>
         <p:txBody>
@@ -3369,41 +5373,13 @@
           <a:lstStyle/>
           <a:p>
             <a:r>
-              <a:rPr lang="en-US" sz="4400" dirty="0" smtClean="0"/>
+              <a:rPr lang="en-US" sz="4400" dirty="0"/>
               <a:t>Overview of the Data</a:t>
             </a:r>
             <a:endParaRPr lang="en-US" sz="4400" dirty="0"/>
           </a:p>
         </p:txBody>
       </p:sp>
-      <p:pic>
-        <p:nvPicPr>
-          <p:cNvPr id="5" name="Picture Placeholder 4"/>
-          <p:cNvPicPr>
-            <a:picLocks noGrp="1" noChangeAspect="1"/>
-          </p:cNvPicPr>
-          <p:nvPr>
-            <p:ph type="pic" idx="1"/>
-          </p:nvPr>
-        </p:nvPicPr>
-        <p:blipFill rotWithShape="1">
-          <a:blip r:embed="rId2" cstate="print">
-            <a:extLst>
-              <a:ext uri="{28A0092B-C50C-407E-A947-70E740481C1C}">
-                <a14:useLocalDpi xmlns:a14="http://schemas.microsoft.com/office/drawing/2010/main" val="0"/>
-              </a:ext>
-            </a:extLst>
-          </a:blip>
-          <a:srcRect l="1069" t="4974" r="51527" b="60985"/>
-          <a:stretch/>
-        </p:blipFill>
-        <p:spPr>
-          <a:xfrm>
-            <a:off x="4527732" y="1371600"/>
-            <a:ext cx="7383743" cy="4347347"/>
-          </a:xfrm>
-        </p:spPr>
-      </p:pic>
       <p:sp>
         <p:nvSpPr>
           <p:cNvPr id="6" name="Text Placeholder 5"/>
@@ -3416,8 +5392,8 @@
         </p:nvSpPr>
         <p:spPr>
           <a:xfrm>
-            <a:off x="839788" y="1497027"/>
-            <a:ext cx="3932237" cy="4371961"/>
+            <a:off x="629842" y="1980021"/>
+            <a:ext cx="7834220" cy="3390614"/>
           </a:xfrm>
         </p:spPr>
         <p:txBody>
@@ -3426,72 +5402,62 @@
           </a:bodyPr>
           <a:lstStyle/>
           <a:p>
-            <a:pPr marL="285750" indent="-285750">
+            <a:pPr marL="214313" indent="-214313">
               <a:buFont typeface="Arial" panose="020B0604020202020204" pitchFamily="34" charset="0"/>
               <a:buChar char="•"/>
             </a:pPr>
             <a:r>
-              <a:rPr lang="en-US" sz="2400" dirty="0" smtClean="0"/>
-              <a:t>Sleep Quality versus various measures</a:t>
-            </a:r>
-          </a:p>
-          <a:p>
-            <a:pPr marL="285750" indent="-285750">
+              <a:rPr lang="en-US" sz="2800" dirty="0"/>
+              <a:t>Sleep Quality</a:t>
+            </a:r>
+          </a:p>
+          <a:p>
+            <a:pPr marL="342900" lvl="1"/>
+            <a:r>
+              <a:rPr lang="en-US" sz="2000" dirty="0" smtClean="0"/>
+              <a:t>1 (very poor) – 5 </a:t>
+            </a:r>
+            <a:r>
+              <a:rPr lang="en-US" sz="2000" dirty="0"/>
+              <a:t>(very good</a:t>
+            </a:r>
+            <a:r>
+              <a:rPr lang="en-US" sz="2000" dirty="0" smtClean="0"/>
+              <a:t>)</a:t>
+            </a:r>
+            <a:endParaRPr lang="en-US" sz="2000" dirty="0"/>
+          </a:p>
+          <a:p>
+            <a:pPr marL="214313" indent="-214313">
               <a:buFont typeface="Arial" panose="020B0604020202020204" pitchFamily="34" charset="0"/>
               <a:buChar char="•"/>
             </a:pPr>
             <a:r>
-              <a:rPr lang="en-US" sz="2400" dirty="0" smtClean="0"/>
-              <a:t>Sleep Quality</a:t>
-            </a:r>
-          </a:p>
-          <a:p>
-            <a:pPr marL="742950" lvl="1" indent="-285750">
+              <a:rPr lang="en-US" sz="2800" dirty="0"/>
+              <a:t>Falling Asleep</a:t>
+            </a:r>
+          </a:p>
+          <a:p>
+            <a:pPr marL="342900" lvl="1"/>
+            <a:r>
+              <a:rPr lang="en-US" sz="2000" dirty="0"/>
+              <a:t>5 (very easy) – 1 (very difficult)</a:t>
+            </a:r>
+          </a:p>
+          <a:p>
+            <a:pPr marL="214313" indent="-214313">
               <a:buFont typeface="Arial" panose="020B0604020202020204" pitchFamily="34" charset="0"/>
               <a:buChar char="•"/>
             </a:pPr>
             <a:r>
-              <a:rPr lang="en-US" sz="2000" dirty="0" smtClean="0"/>
-              <a:t>5 (very good) – 1 (very poor)</a:t>
-            </a:r>
-          </a:p>
-          <a:p>
-            <a:pPr marL="285750" indent="-285750">
-              <a:buFont typeface="Arial" panose="020B0604020202020204" pitchFamily="34" charset="0"/>
-              <a:buChar char="•"/>
-            </a:pPr>
-            <a:r>
-              <a:rPr lang="en-US" sz="2400" dirty="0" smtClean="0"/>
-              <a:t>Falling Asleep</a:t>
-            </a:r>
-          </a:p>
-          <a:p>
-            <a:pPr marL="742950" lvl="1" indent="-285750">
-              <a:buFont typeface="Arial" panose="020B0604020202020204" pitchFamily="34" charset="0"/>
-              <a:buChar char="•"/>
-            </a:pPr>
-            <a:r>
-              <a:rPr lang="en-US" sz="2000" dirty="0" smtClean="0"/>
-              <a:t>5 (very easy) – 1 (very difficult)</a:t>
-            </a:r>
-          </a:p>
-          <a:p>
-            <a:pPr marL="285750" indent="-285750">
-              <a:buFont typeface="Arial" panose="020B0604020202020204" pitchFamily="34" charset="0"/>
-              <a:buChar char="•"/>
-            </a:pPr>
-            <a:r>
-              <a:rPr lang="en-US" sz="2400" dirty="0" smtClean="0"/>
+              <a:rPr lang="en-US" sz="2800" dirty="0"/>
               <a:t>Health Status</a:t>
             </a:r>
           </a:p>
           <a:p>
-            <a:pPr marL="742950" lvl="1" indent="-285750">
-              <a:buFont typeface="Arial" panose="020B0604020202020204" pitchFamily="34" charset="0"/>
-              <a:buChar char="•"/>
-            </a:pPr>
-            <a:r>
-              <a:rPr lang="en-US" sz="2000" dirty="0" smtClean="0"/>
+            <a:pPr marL="342900" lvl="1"/>
+            <a:r>
+              <a:rPr lang="en-US" sz="2000" dirty="0"/>
               <a:t>4 (excellent) – 1 (poor)</a:t>
             </a:r>
             <a:endParaRPr lang="en-US" sz="2000" dirty="0"/>
@@ -3537,89 +5503,120 @@
       </p:grpSpPr>
       <p:sp>
         <p:nvSpPr>
-          <p:cNvPr id="2" name="Title 1"/>
-          <p:cNvSpPr>
-            <a:spLocks noGrp="1"/>
-          </p:cNvSpPr>
-          <p:nvPr>
-            <p:ph type="title"/>
-          </p:nvPr>
-        </p:nvSpPr>
-        <p:spPr>
-          <a:xfrm>
-            <a:off x="839788" y="392660"/>
-            <a:ext cx="6394492" cy="594765"/>
-          </a:xfrm>
-        </p:spPr>
-        <p:txBody>
-          <a:bodyPr>
-            <a:normAutofit fontScale="90000"/>
+          <p:cNvPr id="8" name="TextBox 7"/>
+          <p:cNvSpPr txBox="1"/>
+          <p:nvPr/>
+        </p:nvSpPr>
+        <p:spPr>
+          <a:xfrm>
+            <a:off x="736417" y="0"/>
+            <a:ext cx="7829550" cy="769441"/>
+          </a:xfrm>
+          <a:prstGeom prst="rect">
+            <a:avLst/>
+          </a:prstGeom>
+          <a:noFill/>
+        </p:spPr>
+        <p:txBody>
+          <a:bodyPr wrap="square" rtlCol="0">
+            <a:spAutoFit/>
           </a:bodyPr>
           <a:lstStyle/>
           <a:p>
+            <a:pPr algn="ctr"/>
             <a:r>
               <a:rPr lang="en-US" sz="4400" dirty="0" smtClean="0"/>
-              <a:t>Time per Activity Type</a:t>
+              <a:t>Measure vs Sleep Quality</a:t>
             </a:r>
             <a:endParaRPr lang="en-US" sz="4400" dirty="0"/>
           </a:p>
         </p:txBody>
       </p:sp>
-      <p:sp>
-        <p:nvSpPr>
-          <p:cNvPr id="3" name="Content Placeholder 2"/>
-          <p:cNvSpPr>
-            <a:spLocks noGrp="1"/>
-          </p:cNvSpPr>
+      <p:pic>
+        <p:nvPicPr>
+          <p:cNvPr id="10" name="Content Placeholder 9"/>
+          <p:cNvPicPr>
+            <a:picLocks noGrp="1" noChangeAspect="1"/>
+          </p:cNvPicPr>
           <p:nvPr>
             <p:ph idx="1"/>
           </p:nvPr>
-        </p:nvSpPr>
-        <p:spPr/>
-        <p:txBody>
-          <a:bodyPr/>
-          <a:lstStyle/>
-          <a:p>
-            <a:endParaRPr lang="en-US"/>
-          </a:p>
-        </p:txBody>
-      </p:sp>
-      <p:sp>
-        <p:nvSpPr>
-          <p:cNvPr id="4" name="Text Placeholder 3"/>
-          <p:cNvSpPr>
-            <a:spLocks noGrp="1"/>
-          </p:cNvSpPr>
-          <p:nvPr>
-            <p:ph type="body" sz="half" idx="2"/>
-          </p:nvPr>
-        </p:nvSpPr>
-        <p:spPr>
-          <a:xfrm>
-            <a:off x="839788" y="1221897"/>
-            <a:ext cx="3974973" cy="4647091"/>
-          </a:xfrm>
-        </p:spPr>
-        <p:txBody>
-          <a:bodyPr/>
-          <a:lstStyle/>
-          <a:p>
-            <a:pPr marL="285750" indent="-285750">
-              <a:buFont typeface="Arial" panose="020B0604020202020204" pitchFamily="34" charset="0"/>
-              <a:buChar char="•"/>
-            </a:pPr>
-            <a:r>
-              <a:rPr lang="en-US" dirty="0" smtClean="0"/>
-              <a:t>Reformatting Data</a:t>
-            </a:r>
-            <a:endParaRPr lang="en-US" dirty="0"/>
+        </p:nvPicPr>
+        <p:blipFill>
+          <a:blip r:embed="rId2">
+            <a:extLst>
+              <a:ext uri="{28A0092B-C50C-407E-A947-70E740481C1C}">
+                <a14:useLocalDpi xmlns:a14="http://schemas.microsoft.com/office/drawing/2010/main" val="0"/>
+              </a:ext>
+            </a:extLst>
+          </a:blip>
+          <a:stretch>
+            <a:fillRect/>
+          </a:stretch>
+        </p:blipFill>
+        <p:spPr>
+          <a:xfrm>
+            <a:off x="244953" y="847724"/>
+            <a:ext cx="8718911" cy="5591175"/>
+          </a:xfrm>
+          <a:noFill/>
+          <a:ln>
+            <a:solidFill>
+              <a:srgbClr val="FF0000"/>
+            </a:solidFill>
+          </a:ln>
+        </p:spPr>
+      </p:pic>
+      <p:sp>
+        <p:nvSpPr>
+          <p:cNvPr id="4" name="Rectangle 3"/>
+          <p:cNvSpPr/>
+          <p:nvPr/>
+        </p:nvSpPr>
+        <p:spPr>
+          <a:xfrm>
+            <a:off x="2009775" y="885825"/>
+            <a:ext cx="1085850" cy="352425"/>
+          </a:xfrm>
+          <a:prstGeom prst="rect">
+            <a:avLst/>
+          </a:prstGeom>
+          <a:noFill/>
+          <a:ln w="28575">
+            <a:solidFill>
+              <a:srgbClr val="FF0000"/>
+            </a:solidFill>
+          </a:ln>
+        </p:spPr>
+        <p:style>
+          <a:lnRef idx="2">
+            <a:schemeClr val="accent1">
+              <a:shade val="50000"/>
+            </a:schemeClr>
+          </a:lnRef>
+          <a:fillRef idx="1">
+            <a:schemeClr val="accent1"/>
+          </a:fillRef>
+          <a:effectRef idx="0">
+            <a:schemeClr val="accent1"/>
+          </a:effectRef>
+          <a:fontRef idx="minor">
+            <a:schemeClr val="lt1"/>
+          </a:fontRef>
+        </p:style>
+        <p:txBody>
+          <a:bodyPr rtlCol="0" anchor="ctr"/>
+          <a:lstStyle/>
+          <a:p>
+            <a:pPr algn="ctr"/>
+            <a:endParaRPr lang="en-US" sz="2000"/>
           </a:p>
         </p:txBody>
       </p:sp>
     </p:spTree>
     <p:extLst>
       <p:ext uri="{BB962C8B-B14F-4D97-AF65-F5344CB8AC3E}">
-        <p14:creationId xmlns:p14="http://schemas.microsoft.com/office/powerpoint/2010/main" val="3967314977"/>
+        <p14:creationId xmlns:p14="http://schemas.microsoft.com/office/powerpoint/2010/main" val="2811393586"/>
       </p:ext>
     </p:extLst>
   </p:cSld>
@@ -3655,29 +5652,30 @@
       </p:grpSpPr>
       <p:sp>
         <p:nvSpPr>
-          <p:cNvPr id="6" name="Title 5"/>
-          <p:cNvSpPr>
-            <a:spLocks noGrp="1"/>
-          </p:cNvSpPr>
-          <p:nvPr>
-            <p:ph type="title"/>
-          </p:nvPr>
-        </p:nvSpPr>
-        <p:spPr>
-          <a:xfrm>
-            <a:off x="839788" y="166788"/>
-            <a:ext cx="4735624" cy="762000"/>
-          </a:xfrm>
-        </p:spPr>
-        <p:txBody>
-          <a:bodyPr>
-            <a:noAutofit/>
+          <p:cNvPr id="8" name="TextBox 7"/>
+          <p:cNvSpPr txBox="1"/>
+          <p:nvPr/>
+        </p:nvSpPr>
+        <p:spPr>
+          <a:xfrm>
+            <a:off x="736417" y="0"/>
+            <a:ext cx="7829550" cy="769441"/>
+          </a:xfrm>
+          <a:prstGeom prst="rect">
+            <a:avLst/>
+          </a:prstGeom>
+          <a:noFill/>
+        </p:spPr>
+        <p:txBody>
+          <a:bodyPr wrap="square" rtlCol="0">
+            <a:spAutoFit/>
           </a:bodyPr>
           <a:lstStyle/>
           <a:p>
+            <a:pPr algn="ctr"/>
             <a:r>
               <a:rPr lang="en-US" sz="4400" dirty="0" smtClean="0"/>
-              <a:t>Job and Age Status</a:t>
+              <a:t>Measure vs Sleep Quality</a:t>
             </a:r>
             <a:endParaRPr lang="en-US" sz="4400" dirty="0"/>
           </a:p>
@@ -3685,7 +5683,7 @@
       </p:sp>
       <p:pic>
         <p:nvPicPr>
-          <p:cNvPr id="5" name="Content Placeholder 4"/>
+          <p:cNvPr id="10" name="Content Placeholder 9"/>
           <p:cNvPicPr>
             <a:picLocks noGrp="1" noChangeAspect="1"/>
           </p:cNvPicPr>
@@ -3694,7 +5692,7 @@
           </p:nvPr>
         </p:nvPicPr>
         <p:blipFill>
-          <a:blip r:embed="rId2" cstate="print">
+          <a:blip r:embed="rId2">
             <a:extLst>
               <a:ext uri="{28A0092B-C50C-407E-A947-70E740481C1C}">
                 <a14:useLocalDpi xmlns:a14="http://schemas.microsoft.com/office/drawing/2010/main" val="0"/>
@@ -3707,76 +5705,113 @@
         </p:blipFill>
         <p:spPr>
           <a:xfrm>
-            <a:off x="4772025" y="790776"/>
-            <a:ext cx="7419975" cy="6067224"/>
-          </a:xfrm>
+            <a:off x="244953" y="847724"/>
+            <a:ext cx="8718911" cy="5591175"/>
+          </a:xfrm>
+          <a:noFill/>
+          <a:ln>
+            <a:solidFill>
+              <a:srgbClr val="FF0000"/>
+            </a:solidFill>
+          </a:ln>
         </p:spPr>
       </p:pic>
       <p:sp>
         <p:nvSpPr>
-          <p:cNvPr id="7" name="Text Placeholder 6"/>
-          <p:cNvSpPr>
-            <a:spLocks noGrp="1"/>
-          </p:cNvSpPr>
-          <p:nvPr>
-            <p:ph type="body" sz="half" idx="2"/>
-          </p:nvPr>
-        </p:nvSpPr>
-        <p:spPr>
-          <a:xfrm>
-            <a:off x="839788" y="1414585"/>
-            <a:ext cx="3932237" cy="4454403"/>
-          </a:xfrm>
-        </p:spPr>
-        <p:txBody>
-          <a:bodyPr>
-            <a:normAutofit/>
-          </a:bodyPr>
-          <a:lstStyle/>
-          <a:p>
-            <a:pPr marL="285750" indent="-285750">
-              <a:buFont typeface="Arial" panose="020B0604020202020204" pitchFamily="34" charset="0"/>
-              <a:buChar char="•"/>
-            </a:pPr>
-            <a:r>
-              <a:rPr lang="en-US" sz="2800" dirty="0" smtClean="0"/>
-              <a:t>Jobs titles as dimensions</a:t>
-            </a:r>
-          </a:p>
-          <a:p>
-            <a:pPr marL="285750" indent="-285750">
-              <a:buFont typeface="Arial" panose="020B0604020202020204" pitchFamily="34" charset="0"/>
-              <a:buChar char="•"/>
-            </a:pPr>
-            <a:r>
-              <a:rPr lang="en-US" sz="2800" dirty="0" smtClean="0"/>
-              <a:t>Separate worksheets</a:t>
-            </a:r>
-          </a:p>
-          <a:p>
-            <a:pPr marL="285750" indent="-285750">
-              <a:buFont typeface="Arial" panose="020B0604020202020204" pitchFamily="34" charset="0"/>
-              <a:buChar char="•"/>
-            </a:pPr>
-            <a:r>
-              <a:rPr lang="en-US" sz="2800" dirty="0" smtClean="0"/>
-              <a:t>Utilized dashboard</a:t>
-            </a:r>
-            <a:endParaRPr lang="en-US" sz="2800" dirty="0" smtClean="0"/>
-          </a:p>
-          <a:p>
-            <a:pPr marL="285750" indent="-285750">
-              <a:buFont typeface="Arial" panose="020B0604020202020204" pitchFamily="34" charset="0"/>
-              <a:buChar char="•"/>
-            </a:pPr>
-            <a:endParaRPr lang="en-US" sz="2800" dirty="0"/>
+          <p:cNvPr id="4" name="Rectangle 3"/>
+          <p:cNvSpPr/>
+          <p:nvPr/>
+        </p:nvSpPr>
+        <p:spPr>
+          <a:xfrm>
+            <a:off x="6867525" y="1400175"/>
+            <a:ext cx="1076325" cy="295275"/>
+          </a:xfrm>
+          <a:prstGeom prst="rect">
+            <a:avLst/>
+          </a:prstGeom>
+          <a:noFill/>
+          <a:ln w="28575">
+            <a:solidFill>
+              <a:srgbClr val="FF0000"/>
+            </a:solidFill>
+          </a:ln>
+        </p:spPr>
+        <p:style>
+          <a:lnRef idx="2">
+            <a:schemeClr val="accent1">
+              <a:shade val="50000"/>
+            </a:schemeClr>
+          </a:lnRef>
+          <a:fillRef idx="1">
+            <a:schemeClr val="accent1"/>
+          </a:fillRef>
+          <a:effectRef idx="0">
+            <a:schemeClr val="accent1"/>
+          </a:effectRef>
+          <a:fontRef idx="minor">
+            <a:schemeClr val="lt1"/>
+          </a:fontRef>
+        </p:style>
+        <p:txBody>
+          <a:bodyPr rtlCol="0" anchor="ctr"/>
+          <a:lstStyle/>
+          <a:p>
+            <a:pPr algn="ctr"/>
+            <a:endParaRPr lang="en-US" sz="2000"/>
+          </a:p>
+        </p:txBody>
+      </p:sp>
+      <p:sp>
+        <p:nvSpPr>
+          <p:cNvPr id="5" name="Rectangle 4"/>
+          <p:cNvSpPr/>
+          <p:nvPr/>
+        </p:nvSpPr>
+        <p:spPr>
+          <a:xfrm>
+            <a:off x="244953" y="1400175"/>
+            <a:ext cx="1085850" cy="352425"/>
+          </a:xfrm>
+          <a:prstGeom prst="rect">
+            <a:avLst/>
+          </a:prstGeom>
+          <a:noFill/>
+          <a:ln w="28575">
+            <a:solidFill>
+              <a:srgbClr val="FF0000"/>
+            </a:solidFill>
+          </a:ln>
+        </p:spPr>
+        <p:style>
+          <a:lnRef idx="2">
+            <a:schemeClr val="accent1">
+              <a:shade val="50000"/>
+            </a:schemeClr>
+          </a:lnRef>
+          <a:fillRef idx="1">
+            <a:schemeClr val="accent1"/>
+          </a:fillRef>
+          <a:effectRef idx="0">
+            <a:schemeClr val="accent1"/>
+          </a:effectRef>
+          <a:fontRef idx="minor">
+            <a:schemeClr val="lt1"/>
+          </a:fontRef>
+        </p:style>
+        <p:txBody>
+          <a:bodyPr rtlCol="0" anchor="ctr"/>
+          <a:lstStyle/>
+          <a:p>
+            <a:pPr algn="ctr"/>
+            <a:endParaRPr lang="en-US" sz="2000"/>
           </a:p>
         </p:txBody>
       </p:sp>
     </p:spTree>
     <p:extLst>
       <p:ext uri="{BB962C8B-B14F-4D97-AF65-F5344CB8AC3E}">
-        <p14:creationId xmlns:p14="http://schemas.microsoft.com/office/powerpoint/2010/main" val="1201230397"/>
+        <p14:creationId xmlns:p14="http://schemas.microsoft.com/office/powerpoint/2010/main" val="577036474"/>
       </p:ext>
     </p:extLst>
   </p:cSld>
@@ -3810,16 +5845,49 @@
           <a:chExt cx="0" cy="0"/>
         </a:xfrm>
       </p:grpSpPr>
+      <p:sp>
+        <p:nvSpPr>
+          <p:cNvPr id="8" name="TextBox 7"/>
+          <p:cNvSpPr txBox="1"/>
+          <p:nvPr/>
+        </p:nvSpPr>
+        <p:spPr>
+          <a:xfrm>
+            <a:off x="736417" y="0"/>
+            <a:ext cx="7829550" cy="769441"/>
+          </a:xfrm>
+          <a:prstGeom prst="rect">
+            <a:avLst/>
+          </a:prstGeom>
+          <a:noFill/>
+        </p:spPr>
+        <p:txBody>
+          <a:bodyPr wrap="square" rtlCol="0">
+            <a:spAutoFit/>
+          </a:bodyPr>
+          <a:lstStyle/>
+          <a:p>
+            <a:pPr algn="ctr"/>
+            <a:r>
+              <a:rPr lang="en-US" sz="4400" dirty="0" smtClean="0"/>
+              <a:t>Measure vs Sleep Quality</a:t>
+            </a:r>
+            <a:endParaRPr lang="en-US" sz="4400" dirty="0"/>
+          </a:p>
+        </p:txBody>
+      </p:sp>
       <p:pic>
         <p:nvPicPr>
-          <p:cNvPr id="2" name="Picture 1"/>
+          <p:cNvPr id="10" name="Content Placeholder 9"/>
           <p:cNvPicPr>
-            <a:picLocks noChangeAspect="1"/>
+            <a:picLocks noGrp="1" noChangeAspect="1"/>
           </p:cNvPicPr>
-          <p:nvPr/>
+          <p:nvPr>
+            <p:ph idx="1"/>
+          </p:nvPr>
         </p:nvPicPr>
         <p:blipFill>
-          <a:blip r:embed="rId2" cstate="print">
+          <a:blip r:embed="rId2">
             <a:extLst>
               <a:ext uri="{28A0092B-C50C-407E-A947-70E740481C1C}">
                 <a14:useLocalDpi xmlns:a14="http://schemas.microsoft.com/office/drawing/2010/main" val="0"/>
@@ -3832,18 +5900,252 @@
         </p:blipFill>
         <p:spPr>
           <a:xfrm>
-            <a:off x="1383341" y="-364143"/>
-            <a:ext cx="9840312" cy="7603877"/>
-          </a:xfrm>
-          <a:prstGeom prst="rect">
-            <a:avLst/>
-          </a:prstGeom>
+            <a:off x="244953" y="847724"/>
+            <a:ext cx="8718911" cy="5591175"/>
+          </a:xfrm>
         </p:spPr>
       </p:pic>
     </p:spTree>
     <p:extLst>
       <p:ext uri="{BB962C8B-B14F-4D97-AF65-F5344CB8AC3E}">
-        <p14:creationId xmlns:p14="http://schemas.microsoft.com/office/powerpoint/2010/main" val="3455524681"/>
+        <p14:creationId xmlns:p14="http://schemas.microsoft.com/office/powerpoint/2010/main" val="3696912624"/>
+      </p:ext>
+    </p:extLst>
+  </p:cSld>
+  <p:clrMapOvr>
+    <a:masterClrMapping/>
+  </p:clrMapOvr>
+  <p:timing>
+    <p:tnLst>
+      <p:par>
+        <p:cTn id="1" dur="indefinite" restart="never" nodeType="tmRoot"/>
+      </p:par>
+    </p:tnLst>
+  </p:timing>
+</p:sld>
+</file>
+
+<file path=ppt/slides/slide8.xml><?xml version="1.0" encoding="utf-8"?>
+<p:sld xmlns:a="http://schemas.openxmlformats.org/drawingml/2006/main" xmlns:r="http://schemas.openxmlformats.org/officeDocument/2006/relationships" xmlns:p="http://schemas.openxmlformats.org/presentationml/2006/main">
+  <p:cSld>
+    <p:spTree>
+      <p:nvGrpSpPr>
+        <p:cNvPr id="1" name=""/>
+        <p:cNvGrpSpPr/>
+        <p:nvPr/>
+      </p:nvGrpSpPr>
+      <p:grpSpPr>
+        <a:xfrm>
+          <a:off x="0" y="0"/>
+          <a:ext cx="0" cy="0"/>
+          <a:chOff x="0" y="0"/>
+          <a:chExt cx="0" cy="0"/>
+        </a:xfrm>
+      </p:grpSpPr>
+      <p:sp>
+        <p:nvSpPr>
+          <p:cNvPr id="8" name="TextBox 7"/>
+          <p:cNvSpPr txBox="1"/>
+          <p:nvPr/>
+        </p:nvSpPr>
+        <p:spPr>
+          <a:xfrm>
+            <a:off x="736417" y="0"/>
+            <a:ext cx="7829550" cy="769441"/>
+          </a:xfrm>
+          <a:prstGeom prst="rect">
+            <a:avLst/>
+          </a:prstGeom>
+          <a:noFill/>
+        </p:spPr>
+        <p:txBody>
+          <a:bodyPr wrap="square" rtlCol="0">
+            <a:spAutoFit/>
+          </a:bodyPr>
+          <a:lstStyle/>
+          <a:p>
+            <a:pPr algn="ctr"/>
+            <a:r>
+              <a:rPr lang="en-US" sz="4400" dirty="0" smtClean="0"/>
+              <a:t>Measure vs Sleep Quality</a:t>
+            </a:r>
+            <a:endParaRPr lang="en-US" sz="4400" dirty="0"/>
+          </a:p>
+        </p:txBody>
+      </p:sp>
+      <p:pic>
+        <p:nvPicPr>
+          <p:cNvPr id="10" name="Content Placeholder 9"/>
+          <p:cNvPicPr>
+            <a:picLocks noGrp="1" noChangeAspect="1"/>
+          </p:cNvPicPr>
+          <p:nvPr>
+            <p:ph idx="1"/>
+          </p:nvPr>
+        </p:nvPicPr>
+        <p:blipFill>
+          <a:blip r:embed="rId2">
+            <a:extLst>
+              <a:ext uri="{28A0092B-C50C-407E-A947-70E740481C1C}">
+                <a14:useLocalDpi xmlns:a14="http://schemas.microsoft.com/office/drawing/2010/main" val="0"/>
+              </a:ext>
+            </a:extLst>
+          </a:blip>
+          <a:stretch>
+            <a:fillRect/>
+          </a:stretch>
+        </p:blipFill>
+        <p:spPr>
+          <a:xfrm>
+            <a:off x="244953" y="847724"/>
+            <a:ext cx="8718911" cy="5591175"/>
+          </a:xfrm>
+        </p:spPr>
+      </p:pic>
+      <p:sp>
+        <p:nvSpPr>
+          <p:cNvPr id="4" name="Rectangle 3"/>
+          <p:cNvSpPr/>
+          <p:nvPr/>
+        </p:nvSpPr>
+        <p:spPr>
+          <a:xfrm>
+            <a:off x="2514600" y="2695575"/>
+            <a:ext cx="2057400" cy="161925"/>
+          </a:xfrm>
+          <a:prstGeom prst="rect">
+            <a:avLst/>
+          </a:prstGeom>
+          <a:noFill/>
+          <a:ln w="28575">
+            <a:solidFill>
+              <a:srgbClr val="FF0000"/>
+            </a:solidFill>
+          </a:ln>
+        </p:spPr>
+        <p:style>
+          <a:lnRef idx="2">
+            <a:schemeClr val="accent1">
+              <a:shade val="50000"/>
+            </a:schemeClr>
+          </a:lnRef>
+          <a:fillRef idx="1">
+            <a:schemeClr val="accent1"/>
+          </a:fillRef>
+          <a:effectRef idx="0">
+            <a:schemeClr val="accent1"/>
+          </a:effectRef>
+          <a:fontRef idx="minor">
+            <a:schemeClr val="lt1"/>
+          </a:fontRef>
+        </p:style>
+        <p:txBody>
+          <a:bodyPr rtlCol="0" anchor="ctr"/>
+          <a:lstStyle/>
+          <a:p>
+            <a:pPr algn="ctr"/>
+            <a:endParaRPr lang="en-US" sz="2000"/>
+          </a:p>
+        </p:txBody>
+      </p:sp>
+    </p:spTree>
+    <p:extLst>
+      <p:ext uri="{BB962C8B-B14F-4D97-AF65-F5344CB8AC3E}">
+        <p14:creationId xmlns:p14="http://schemas.microsoft.com/office/powerpoint/2010/main" val="4176683808"/>
+      </p:ext>
+    </p:extLst>
+  </p:cSld>
+  <p:clrMapOvr>
+    <a:masterClrMapping/>
+  </p:clrMapOvr>
+  <p:timing>
+    <p:tnLst>
+      <p:par>
+        <p:cTn id="1" dur="indefinite" restart="never" nodeType="tmRoot"/>
+      </p:par>
+    </p:tnLst>
+  </p:timing>
+</p:sld>
+</file>
+
+<file path=ppt/slides/slide9.xml><?xml version="1.0" encoding="utf-8"?>
+<p:sld xmlns:a="http://schemas.openxmlformats.org/drawingml/2006/main" xmlns:r="http://schemas.openxmlformats.org/officeDocument/2006/relationships" xmlns:p="http://schemas.openxmlformats.org/presentationml/2006/main">
+  <p:cSld>
+    <p:spTree>
+      <p:nvGrpSpPr>
+        <p:cNvPr id="1" name=""/>
+        <p:cNvGrpSpPr/>
+        <p:nvPr/>
+      </p:nvGrpSpPr>
+      <p:grpSpPr>
+        <a:xfrm>
+          <a:off x="0" y="0"/>
+          <a:ext cx="0" cy="0"/>
+          <a:chOff x="0" y="0"/>
+          <a:chExt cx="0" cy="0"/>
+        </a:xfrm>
+      </p:grpSpPr>
+      <p:sp>
+        <p:nvSpPr>
+          <p:cNvPr id="2" name="Title 1"/>
+          <p:cNvSpPr>
+            <a:spLocks noGrp="1"/>
+          </p:cNvSpPr>
+          <p:nvPr>
+            <p:ph type="title"/>
+          </p:nvPr>
+        </p:nvSpPr>
+        <p:spPr>
+          <a:xfrm>
+            <a:off x="1971307" y="257175"/>
+            <a:ext cx="5191493" cy="707381"/>
+          </a:xfrm>
+        </p:spPr>
+        <p:txBody>
+          <a:bodyPr>
+            <a:noAutofit/>
+          </a:bodyPr>
+          <a:lstStyle/>
+          <a:p>
+            <a:r>
+              <a:rPr lang="en-US" sz="4400" dirty="0"/>
+              <a:t>Time per Activity Type</a:t>
+            </a:r>
+          </a:p>
+        </p:txBody>
+      </p:sp>
+      <p:pic>
+        <p:nvPicPr>
+          <p:cNvPr id="5" name="Content Placeholder 4"/>
+          <p:cNvPicPr>
+            <a:picLocks noGrp="1" noChangeAspect="1"/>
+          </p:cNvPicPr>
+          <p:nvPr>
+            <p:ph idx="1"/>
+          </p:nvPr>
+        </p:nvPicPr>
+        <p:blipFill rotWithShape="1">
+          <a:blip r:embed="rId2" cstate="print">
+            <a:extLst>
+              <a:ext uri="{28A0092B-C50C-407E-A947-70E740481C1C}">
+                <a14:useLocalDpi xmlns:a14="http://schemas.microsoft.com/office/drawing/2010/main" val="0"/>
+              </a:ext>
+            </a:extLst>
+          </a:blip>
+          <a:srcRect t="4352"/>
+          <a:stretch/>
+        </p:blipFill>
+        <p:spPr>
+          <a:xfrm>
+            <a:off x="323849" y="956385"/>
+            <a:ext cx="8753475" cy="5901615"/>
+          </a:xfrm>
+        </p:spPr>
+      </p:pic>
+    </p:spTree>
+    <p:extLst>
+      <p:ext uri="{BB962C8B-B14F-4D97-AF65-F5344CB8AC3E}">
+        <p14:creationId xmlns:p14="http://schemas.microsoft.com/office/powerpoint/2010/main" val="569350898"/>
       </p:ext>
     </p:extLst>
   </p:cSld>
@@ -3863,7 +6165,7 @@
 <file path=ppt/theme/theme1.xml><?xml version="1.0" encoding="utf-8"?>
 <a:theme xmlns:a="http://schemas.openxmlformats.org/drawingml/2006/main" name="Office Theme">
   <a:themeElements>
-    <a:clrScheme name="Office">
+    <a:clrScheme name="Office Theme">
       <a:dk1>
         <a:sysClr val="windowText" lastClr="000000"/>
       </a:dk1>
@@ -3901,7 +6203,7 @@
         <a:srgbClr val="954F72"/>
       </a:folHlink>
     </a:clrScheme>
-    <a:fontScheme name="Office">
+    <a:fontScheme name="Office Theme">
       <a:majorFont>
         <a:latin typeface="Calibri Light" panose="020F0302020204030204"/>
         <a:ea typeface=""/>
@@ -3973,7 +6275,7 @@
         <a:font script="Geor" typeface="Sylfaen"/>
       </a:minorFont>
     </a:fontScheme>
-    <a:fmtScheme name="Office">
+    <a:fmtScheme name="Office Theme">
       <a:fillStyleLst>
         <a:solidFill>
           <a:schemeClr val="phClr"/>
